--- a/Slides/Baseball 5/Baseball_5_Lecture.pptx
+++ b/Slides/Baseball 5/Baseball_5_Lecture.pptx
@@ -210,7 +210,7 @@
           <a:p>
             <a:fld id="{C04E5E84-956F-4423-97B3-5936A6D8EEEE}" type="datetimeFigureOut">
               <a:rPr lang="en-US" smtClean="0"/>
-              <a:t>9/17/2019</a:t>
+              <a:t>2/16/2021</a:t>
             </a:fld>
             <a:endParaRPr lang="en-US"/>
           </a:p>
@@ -624,7 +624,7 @@
           <a:p>
             <a:fld id="{3881C039-66A3-4640-815B-3B5A8B7D868D}" type="datetimeFigureOut">
               <a:rPr lang="en-US" smtClean="0"/>
-              <a:t>9/17/2019</a:t>
+              <a:t>2/16/2021</a:t>
             </a:fld>
             <a:endParaRPr lang="en-US"/>
           </a:p>
@@ -822,7 +822,7 @@
           <a:p>
             <a:fld id="{3881C039-66A3-4640-815B-3B5A8B7D868D}" type="datetimeFigureOut">
               <a:rPr lang="en-US" smtClean="0"/>
-              <a:t>9/17/2019</a:t>
+              <a:t>2/16/2021</a:t>
             </a:fld>
             <a:endParaRPr lang="en-US"/>
           </a:p>
@@ -1030,7 +1030,7 @@
           <a:p>
             <a:fld id="{3881C039-66A3-4640-815B-3B5A8B7D868D}" type="datetimeFigureOut">
               <a:rPr lang="en-US" smtClean="0"/>
-              <a:t>9/17/2019</a:t>
+              <a:t>2/16/2021</a:t>
             </a:fld>
             <a:endParaRPr lang="en-US"/>
           </a:p>
@@ -1228,7 +1228,7 @@
           <a:p>
             <a:fld id="{3881C039-66A3-4640-815B-3B5A8B7D868D}" type="datetimeFigureOut">
               <a:rPr lang="en-US" smtClean="0"/>
-              <a:t>9/17/2019</a:t>
+              <a:t>2/16/2021</a:t>
             </a:fld>
             <a:endParaRPr lang="en-US"/>
           </a:p>
@@ -1503,7 +1503,7 @@
           <a:p>
             <a:fld id="{3881C039-66A3-4640-815B-3B5A8B7D868D}" type="datetimeFigureOut">
               <a:rPr lang="en-US" smtClean="0"/>
-              <a:t>9/17/2019</a:t>
+              <a:t>2/16/2021</a:t>
             </a:fld>
             <a:endParaRPr lang="en-US"/>
           </a:p>
@@ -1768,7 +1768,7 @@
           <a:p>
             <a:fld id="{3881C039-66A3-4640-815B-3B5A8B7D868D}" type="datetimeFigureOut">
               <a:rPr lang="en-US" smtClean="0"/>
-              <a:t>9/17/2019</a:t>
+              <a:t>2/16/2021</a:t>
             </a:fld>
             <a:endParaRPr lang="en-US"/>
           </a:p>
@@ -2180,7 +2180,7 @@
           <a:p>
             <a:fld id="{3881C039-66A3-4640-815B-3B5A8B7D868D}" type="datetimeFigureOut">
               <a:rPr lang="en-US" smtClean="0"/>
-              <a:t>9/17/2019</a:t>
+              <a:t>2/16/2021</a:t>
             </a:fld>
             <a:endParaRPr lang="en-US"/>
           </a:p>
@@ -2321,7 +2321,7 @@
           <a:p>
             <a:fld id="{3881C039-66A3-4640-815B-3B5A8B7D868D}" type="datetimeFigureOut">
               <a:rPr lang="en-US" smtClean="0"/>
-              <a:t>9/17/2019</a:t>
+              <a:t>2/16/2021</a:t>
             </a:fld>
             <a:endParaRPr lang="en-US"/>
           </a:p>
@@ -2434,7 +2434,7 @@
           <a:p>
             <a:fld id="{3881C039-66A3-4640-815B-3B5A8B7D868D}" type="datetimeFigureOut">
               <a:rPr lang="en-US" smtClean="0"/>
-              <a:t>9/17/2019</a:t>
+              <a:t>2/16/2021</a:t>
             </a:fld>
             <a:endParaRPr lang="en-US"/>
           </a:p>
@@ -2745,7 +2745,7 @@
           <a:p>
             <a:fld id="{3881C039-66A3-4640-815B-3B5A8B7D868D}" type="datetimeFigureOut">
               <a:rPr lang="en-US" smtClean="0"/>
-              <a:t>9/17/2019</a:t>
+              <a:t>2/16/2021</a:t>
             </a:fld>
             <a:endParaRPr lang="en-US"/>
           </a:p>
@@ -3033,7 +3033,7 @@
           <a:p>
             <a:fld id="{3881C039-66A3-4640-815B-3B5A8B7D868D}" type="datetimeFigureOut">
               <a:rPr lang="en-US" smtClean="0"/>
-              <a:t>9/17/2019</a:t>
+              <a:t>2/16/2021</a:t>
             </a:fld>
             <a:endParaRPr lang="en-US"/>
           </a:p>
@@ -3277,7 +3277,7 @@
           <a:p>
             <a:fld id="{3881C039-66A3-4640-815B-3B5A8B7D868D}" type="datetimeFigureOut">
               <a:rPr lang="en-US" smtClean="0"/>
-              <a:t>9/17/2019</a:t>
+              <a:t>2/16/2021</a:t>
             </a:fld>
             <a:endParaRPr lang="en-US"/>
           </a:p>
@@ -3826,8 +3826,23 @@
                 </a:solidFill>
                 <a:latin typeface="Selawik Semibold" panose="020B0702040204020203" pitchFamily="34" charset="0"/>
               </a:rPr>
-              <a:t>Produced by Dr. Mario | UNC STOR 390</a:t>
-            </a:r>
+              <a:t>Produced by Dr. Mario | UNC </a:t>
+            </a:r>
+            <a:r>
+              <a:rPr lang="en-US">
+                <a:solidFill>
+                  <a:schemeClr val="bg1"/>
+                </a:solidFill>
+                <a:latin typeface="Selawik Semibold" panose="020B0702040204020203" pitchFamily="34" charset="0"/>
+              </a:rPr>
+              <a:t>STOR 538</a:t>
+            </a:r>
+            <a:endParaRPr lang="en-US" dirty="0">
+              <a:solidFill>
+                <a:schemeClr val="bg1"/>
+              </a:solidFill>
+              <a:latin typeface="Selawik Semibold" panose="020B0702040204020203" pitchFamily="34" charset="0"/>
+            </a:endParaRPr>
           </a:p>
         </p:txBody>
       </p:sp>

--- a/Slides/Baseball 5/Baseball_5_Lecture.pptx
+++ b/Slides/Baseball 5/Baseball_5_Lecture.pptx
@@ -210,7 +210,7 @@
           <a:p>
             <a:fld id="{C04E5E84-956F-4423-97B3-5936A6D8EEEE}" type="datetimeFigureOut">
               <a:rPr lang="en-US" smtClean="0"/>
-              <a:t>2/16/2021</a:t>
+              <a:t>2/17/2021</a:t>
             </a:fld>
             <a:endParaRPr lang="en-US"/>
           </a:p>
@@ -624,7 +624,7 @@
           <a:p>
             <a:fld id="{3881C039-66A3-4640-815B-3B5A8B7D868D}" type="datetimeFigureOut">
               <a:rPr lang="en-US" smtClean="0"/>
-              <a:t>2/16/2021</a:t>
+              <a:t>2/17/2021</a:t>
             </a:fld>
             <a:endParaRPr lang="en-US"/>
           </a:p>
@@ -822,7 +822,7 @@
           <a:p>
             <a:fld id="{3881C039-66A3-4640-815B-3B5A8B7D868D}" type="datetimeFigureOut">
               <a:rPr lang="en-US" smtClean="0"/>
-              <a:t>2/16/2021</a:t>
+              <a:t>2/17/2021</a:t>
             </a:fld>
             <a:endParaRPr lang="en-US"/>
           </a:p>
@@ -1030,7 +1030,7 @@
           <a:p>
             <a:fld id="{3881C039-66A3-4640-815B-3B5A8B7D868D}" type="datetimeFigureOut">
               <a:rPr lang="en-US" smtClean="0"/>
-              <a:t>2/16/2021</a:t>
+              <a:t>2/17/2021</a:t>
             </a:fld>
             <a:endParaRPr lang="en-US"/>
           </a:p>
@@ -1228,7 +1228,7 @@
           <a:p>
             <a:fld id="{3881C039-66A3-4640-815B-3B5A8B7D868D}" type="datetimeFigureOut">
               <a:rPr lang="en-US" smtClean="0"/>
-              <a:t>2/16/2021</a:t>
+              <a:t>2/17/2021</a:t>
             </a:fld>
             <a:endParaRPr lang="en-US"/>
           </a:p>
@@ -1503,7 +1503,7 @@
           <a:p>
             <a:fld id="{3881C039-66A3-4640-815B-3B5A8B7D868D}" type="datetimeFigureOut">
               <a:rPr lang="en-US" smtClean="0"/>
-              <a:t>2/16/2021</a:t>
+              <a:t>2/17/2021</a:t>
             </a:fld>
             <a:endParaRPr lang="en-US"/>
           </a:p>
@@ -1768,7 +1768,7 @@
           <a:p>
             <a:fld id="{3881C039-66A3-4640-815B-3B5A8B7D868D}" type="datetimeFigureOut">
               <a:rPr lang="en-US" smtClean="0"/>
-              <a:t>2/16/2021</a:t>
+              <a:t>2/17/2021</a:t>
             </a:fld>
             <a:endParaRPr lang="en-US"/>
           </a:p>
@@ -2180,7 +2180,7 @@
           <a:p>
             <a:fld id="{3881C039-66A3-4640-815B-3B5A8B7D868D}" type="datetimeFigureOut">
               <a:rPr lang="en-US" smtClean="0"/>
-              <a:t>2/16/2021</a:t>
+              <a:t>2/17/2021</a:t>
             </a:fld>
             <a:endParaRPr lang="en-US"/>
           </a:p>
@@ -2321,7 +2321,7 @@
           <a:p>
             <a:fld id="{3881C039-66A3-4640-815B-3B5A8B7D868D}" type="datetimeFigureOut">
               <a:rPr lang="en-US" smtClean="0"/>
-              <a:t>2/16/2021</a:t>
+              <a:t>2/17/2021</a:t>
             </a:fld>
             <a:endParaRPr lang="en-US"/>
           </a:p>
@@ -2434,7 +2434,7 @@
           <a:p>
             <a:fld id="{3881C039-66A3-4640-815B-3B5A8B7D868D}" type="datetimeFigureOut">
               <a:rPr lang="en-US" smtClean="0"/>
-              <a:t>2/16/2021</a:t>
+              <a:t>2/17/2021</a:t>
             </a:fld>
             <a:endParaRPr lang="en-US"/>
           </a:p>
@@ -2745,7 +2745,7 @@
           <a:p>
             <a:fld id="{3881C039-66A3-4640-815B-3B5A8B7D868D}" type="datetimeFigureOut">
               <a:rPr lang="en-US" smtClean="0"/>
-              <a:t>2/16/2021</a:t>
+              <a:t>2/17/2021</a:t>
             </a:fld>
             <a:endParaRPr lang="en-US"/>
           </a:p>
@@ -3033,7 +3033,7 @@
           <a:p>
             <a:fld id="{3881C039-66A3-4640-815B-3B5A8B7D868D}" type="datetimeFigureOut">
               <a:rPr lang="en-US" smtClean="0"/>
-              <a:t>2/16/2021</a:t>
+              <a:t>2/17/2021</a:t>
             </a:fld>
             <a:endParaRPr lang="en-US"/>
           </a:p>
@@ -3277,7 +3277,7 @@
           <a:p>
             <a:fld id="{3881C039-66A3-4640-815B-3B5A8B7D868D}" type="datetimeFigureOut">
               <a:rPr lang="en-US" smtClean="0"/>
-              <a:t>2/16/2021</a:t>
+              <a:t>2/17/2021</a:t>
             </a:fld>
             <a:endParaRPr lang="en-US"/>
           </a:p>
@@ -11789,7 +11789,7 @@
         <p:spPr>
           <a:xfrm>
             <a:off x="3080083" y="1520793"/>
-            <a:ext cx="7834845" cy="4216539"/>
+            <a:ext cx="8081658" cy="4216539"/>
           </a:xfrm>
           <a:prstGeom prst="rect">
             <a:avLst/>
@@ -11927,7 +11927,7 @@
                 </a:solidFill>
                 <a:latin typeface="Selawik Semibold" panose="020B0702040204020203" pitchFamily="34" charset="0"/>
               </a:rPr>
-              <a:t>Typically Involves Numeric Outcome Based on </a:t>
+              <a:t>Typically Involves Numeric Outcome Based on Observation</a:t>
             </a:r>
           </a:p>
           <a:p>
@@ -17188,8 +17188,8 @@
           </p:sp>
         </mc:Fallback>
       </mc:AlternateContent>
-      <mc:AlternateContent xmlns:mc="http://schemas.openxmlformats.org/markup-compatibility/2006" xmlns:a14="http://schemas.microsoft.com/office/drawing/2010/main">
-        <mc:Choice Requires="a14">
+      <mc:AlternateContent xmlns:mc="http://schemas.openxmlformats.org/markup-compatibility/2006">
+        <mc:Choice xmlns:a14="http://schemas.microsoft.com/office/drawing/2010/main" Requires="a14">
           <p:sp>
             <p:nvSpPr>
               <p:cNvPr id="18" name="Rectangle 17">
@@ -17205,7 +17205,7 @@
             <p:spPr>
               <a:xfrm>
                 <a:off x="3115383" y="5863364"/>
-                <a:ext cx="9018623" cy="400110"/>
+                <a:ext cx="8683787" cy="400110"/>
               </a:xfrm>
               <a:prstGeom prst="rect">
                 <a:avLst/>
@@ -17225,7 +17225,7 @@
                     </m:oMathParaPr>
                     <m:oMath xmlns:m="http://schemas.openxmlformats.org/officeDocument/2006/math">
                       <m:r>
-                        <a:rPr lang="en-US" sz="2000" b="1" i="1">
+                        <a:rPr lang="en-US" sz="2000" b="1" i="1" smtClean="0">
                           <a:solidFill>
                             <a:schemeClr val="bg1"/>
                           </a:solidFill>
@@ -17484,22 +17484,13 @@
                         <m:t>×</m:t>
                       </m:r>
                       <m:r>
-                        <a:rPr lang="en-US" sz="2000" b="1" i="1">
+                        <a:rPr lang="en-US" sz="2000" b="1" i="1" smtClean="0">
                           <a:solidFill>
                             <a:schemeClr val="bg1"/>
                           </a:solidFill>
                           <a:latin typeface="Cambria Math" panose="02040503050406030204" pitchFamily="18" charset="0"/>
                         </a:rPr>
                         <m:t>𝑬</m:t>
-                      </m:r>
-                      <m:r>
-                        <a:rPr lang="en-US" sz="2000" b="1" i="1">
-                          <a:solidFill>
-                            <a:schemeClr val="bg1"/>
-                          </a:solidFill>
-                          <a:latin typeface="Cambria Math" panose="02040503050406030204" pitchFamily="18" charset="0"/>
-                        </a:rPr>
-                        <m:t>=</m:t>
                       </m:r>
                       <m:d>
                         <m:dPr>
@@ -17585,7 +17576,7 @@
             </p:txBody>
           </p:sp>
         </mc:Choice>
-        <mc:Fallback xmlns="">
+        <mc:Fallback>
           <p:sp>
             <p:nvSpPr>
               <p:cNvPr id="18" name="Rectangle 17">
@@ -17603,7 +17594,7 @@
             <p:spPr>
               <a:xfrm>
                 <a:off x="3115383" y="5863364"/>
-                <a:ext cx="9018623" cy="400110"/>
+                <a:ext cx="8683787" cy="400110"/>
               </a:xfrm>
               <a:prstGeom prst="rect">
                 <a:avLst/>

--- a/Slides/Baseball 5/Baseball_5_Lecture.pptx
+++ b/Slides/Baseball 5/Baseball_5_Lecture.pptx
@@ -210,7 +210,7 @@
           <a:p>
             <a:fld id="{C04E5E84-956F-4423-97B3-5936A6D8EEEE}" type="datetimeFigureOut">
               <a:rPr lang="en-US" smtClean="0"/>
-              <a:t>2/17/2021</a:t>
+              <a:t>2/23/2021</a:t>
             </a:fld>
             <a:endParaRPr lang="en-US"/>
           </a:p>
@@ -624,7 +624,7 @@
           <a:p>
             <a:fld id="{3881C039-66A3-4640-815B-3B5A8B7D868D}" type="datetimeFigureOut">
               <a:rPr lang="en-US" smtClean="0"/>
-              <a:t>2/17/2021</a:t>
+              <a:t>2/23/2021</a:t>
             </a:fld>
             <a:endParaRPr lang="en-US"/>
           </a:p>
@@ -822,7 +822,7 @@
           <a:p>
             <a:fld id="{3881C039-66A3-4640-815B-3B5A8B7D868D}" type="datetimeFigureOut">
               <a:rPr lang="en-US" smtClean="0"/>
-              <a:t>2/17/2021</a:t>
+              <a:t>2/23/2021</a:t>
             </a:fld>
             <a:endParaRPr lang="en-US"/>
           </a:p>
@@ -1030,7 +1030,7 @@
           <a:p>
             <a:fld id="{3881C039-66A3-4640-815B-3B5A8B7D868D}" type="datetimeFigureOut">
               <a:rPr lang="en-US" smtClean="0"/>
-              <a:t>2/17/2021</a:t>
+              <a:t>2/23/2021</a:t>
             </a:fld>
             <a:endParaRPr lang="en-US"/>
           </a:p>
@@ -1228,7 +1228,7 @@
           <a:p>
             <a:fld id="{3881C039-66A3-4640-815B-3B5A8B7D868D}" type="datetimeFigureOut">
               <a:rPr lang="en-US" smtClean="0"/>
-              <a:t>2/17/2021</a:t>
+              <a:t>2/23/2021</a:t>
             </a:fld>
             <a:endParaRPr lang="en-US"/>
           </a:p>
@@ -1503,7 +1503,7 @@
           <a:p>
             <a:fld id="{3881C039-66A3-4640-815B-3B5A8B7D868D}" type="datetimeFigureOut">
               <a:rPr lang="en-US" smtClean="0"/>
-              <a:t>2/17/2021</a:t>
+              <a:t>2/23/2021</a:t>
             </a:fld>
             <a:endParaRPr lang="en-US"/>
           </a:p>
@@ -1768,7 +1768,7 @@
           <a:p>
             <a:fld id="{3881C039-66A3-4640-815B-3B5A8B7D868D}" type="datetimeFigureOut">
               <a:rPr lang="en-US" smtClean="0"/>
-              <a:t>2/17/2021</a:t>
+              <a:t>2/23/2021</a:t>
             </a:fld>
             <a:endParaRPr lang="en-US"/>
           </a:p>
@@ -2180,7 +2180,7 @@
           <a:p>
             <a:fld id="{3881C039-66A3-4640-815B-3B5A8B7D868D}" type="datetimeFigureOut">
               <a:rPr lang="en-US" smtClean="0"/>
-              <a:t>2/17/2021</a:t>
+              <a:t>2/23/2021</a:t>
             </a:fld>
             <a:endParaRPr lang="en-US"/>
           </a:p>
@@ -2321,7 +2321,7 @@
           <a:p>
             <a:fld id="{3881C039-66A3-4640-815B-3B5A8B7D868D}" type="datetimeFigureOut">
               <a:rPr lang="en-US" smtClean="0"/>
-              <a:t>2/17/2021</a:t>
+              <a:t>2/23/2021</a:t>
             </a:fld>
             <a:endParaRPr lang="en-US"/>
           </a:p>
@@ -2434,7 +2434,7 @@
           <a:p>
             <a:fld id="{3881C039-66A3-4640-815B-3B5A8B7D868D}" type="datetimeFigureOut">
               <a:rPr lang="en-US" smtClean="0"/>
-              <a:t>2/17/2021</a:t>
+              <a:t>2/23/2021</a:t>
             </a:fld>
             <a:endParaRPr lang="en-US"/>
           </a:p>
@@ -2745,7 +2745,7 @@
           <a:p>
             <a:fld id="{3881C039-66A3-4640-815B-3B5A8B7D868D}" type="datetimeFigureOut">
               <a:rPr lang="en-US" smtClean="0"/>
-              <a:t>2/17/2021</a:t>
+              <a:t>2/23/2021</a:t>
             </a:fld>
             <a:endParaRPr lang="en-US"/>
           </a:p>
@@ -3033,7 +3033,7 @@
           <a:p>
             <a:fld id="{3881C039-66A3-4640-815B-3B5A8B7D868D}" type="datetimeFigureOut">
               <a:rPr lang="en-US" smtClean="0"/>
-              <a:t>2/17/2021</a:t>
+              <a:t>2/23/2021</a:t>
             </a:fld>
             <a:endParaRPr lang="en-US"/>
           </a:p>
@@ -3277,7 +3277,7 @@
           <a:p>
             <a:fld id="{3881C039-66A3-4640-815B-3B5A8B7D868D}" type="datetimeFigureOut">
               <a:rPr lang="en-US" smtClean="0"/>
-              <a:t>2/17/2021</a:t>
+              <a:t>2/23/2021</a:t>
             </a:fld>
             <a:endParaRPr lang="en-US"/>
           </a:p>
@@ -9623,8 +9623,8 @@
           </p:sp>
         </mc:Fallback>
       </mc:AlternateContent>
-      <mc:AlternateContent xmlns:mc="http://schemas.openxmlformats.org/markup-compatibility/2006" xmlns:a14="http://schemas.microsoft.com/office/drawing/2010/main">
-        <mc:Choice Requires="a14">
+      <mc:AlternateContent xmlns:mc="http://schemas.openxmlformats.org/markup-compatibility/2006">
+        <mc:Choice xmlns:a14="http://schemas.microsoft.com/office/drawing/2010/main" Requires="a14">
           <p:sp>
             <p:nvSpPr>
               <p:cNvPr id="12" name="TextBox 11">
@@ -9661,7 +9661,7 @@
                     </m:oMathParaPr>
                     <m:oMath xmlns:m="http://schemas.openxmlformats.org/officeDocument/2006/math">
                       <m:r>
-                        <a:rPr lang="en-US" sz="2000" b="1" i="1">
+                        <a:rPr lang="en-US" sz="2000" b="1" i="1" smtClean="0">
                           <a:solidFill>
                             <a:schemeClr val="bg1"/>
                           </a:solidFill>
@@ -9695,13 +9695,13 @@
                         </m:e>
                         <m:e>
                           <m:r>
-                            <a:rPr lang="en-US" sz="2000" b="1" i="1">
+                            <a:rPr lang="en-US" sz="2000" b="1" i="1" smtClean="0">
                               <a:solidFill>
                                 <a:schemeClr val="bg1"/>
                               </a:solidFill>
                               <a:latin typeface="Cambria Math" panose="02040503050406030204" pitchFamily="18" charset="0"/>
                             </a:rPr>
-                            <m:t>𝟎𝟏𝟏𝟏</m:t>
+                            <m:t>𝟐𝟎𝟎𝟎</m:t>
                           </m:r>
                         </m:e>
                       </m:d>
@@ -9753,7 +9753,7 @@
             </p:txBody>
           </p:sp>
         </mc:Choice>
-        <mc:Fallback xmlns="">
+        <mc:Fallback>
           <p:sp>
             <p:nvSpPr>
               <p:cNvPr id="12" name="TextBox 11">
@@ -17188,8 +17188,8 @@
           </p:sp>
         </mc:Fallback>
       </mc:AlternateContent>
-      <mc:AlternateContent xmlns:mc="http://schemas.openxmlformats.org/markup-compatibility/2006">
-        <mc:Choice xmlns:a14="http://schemas.microsoft.com/office/drawing/2010/main" Requires="a14">
+      <mc:AlternateContent xmlns:mc="http://schemas.openxmlformats.org/markup-compatibility/2006" xmlns:a14="http://schemas.microsoft.com/office/drawing/2010/main">
+        <mc:Choice Requires="a14">
           <p:sp>
             <p:nvSpPr>
               <p:cNvPr id="18" name="Rectangle 17">
@@ -17576,7 +17576,7 @@
             </p:txBody>
           </p:sp>
         </mc:Choice>
-        <mc:Fallback>
+        <mc:Fallback xmlns="">
           <p:sp>
             <p:nvSpPr>
               <p:cNvPr id="18" name="Rectangle 17">

--- a/Slides/Baseball 5/Baseball_5_Lecture.pptx
+++ b/Slides/Baseball 5/Baseball_5_Lecture.pptx
@@ -210,7 +210,7 @@
           <a:p>
             <a:fld id="{C04E5E84-956F-4423-97B3-5936A6D8EEEE}" type="datetimeFigureOut">
               <a:rPr lang="en-US" smtClean="0"/>
-              <a:t>2/23/2021</a:t>
+              <a:t>2/4/2023</a:t>
             </a:fld>
             <a:endParaRPr lang="en-US"/>
           </a:p>
@@ -624,7 +624,7 @@
           <a:p>
             <a:fld id="{3881C039-66A3-4640-815B-3B5A8B7D868D}" type="datetimeFigureOut">
               <a:rPr lang="en-US" smtClean="0"/>
-              <a:t>2/23/2021</a:t>
+              <a:t>2/4/2023</a:t>
             </a:fld>
             <a:endParaRPr lang="en-US"/>
           </a:p>
@@ -822,7 +822,7 @@
           <a:p>
             <a:fld id="{3881C039-66A3-4640-815B-3B5A8B7D868D}" type="datetimeFigureOut">
               <a:rPr lang="en-US" smtClean="0"/>
-              <a:t>2/23/2021</a:t>
+              <a:t>2/4/2023</a:t>
             </a:fld>
             <a:endParaRPr lang="en-US"/>
           </a:p>
@@ -1030,7 +1030,7 @@
           <a:p>
             <a:fld id="{3881C039-66A3-4640-815B-3B5A8B7D868D}" type="datetimeFigureOut">
               <a:rPr lang="en-US" smtClean="0"/>
-              <a:t>2/23/2021</a:t>
+              <a:t>2/4/2023</a:t>
             </a:fld>
             <a:endParaRPr lang="en-US"/>
           </a:p>
@@ -1228,7 +1228,7 @@
           <a:p>
             <a:fld id="{3881C039-66A3-4640-815B-3B5A8B7D868D}" type="datetimeFigureOut">
               <a:rPr lang="en-US" smtClean="0"/>
-              <a:t>2/23/2021</a:t>
+              <a:t>2/4/2023</a:t>
             </a:fld>
             <a:endParaRPr lang="en-US"/>
           </a:p>
@@ -1503,7 +1503,7 @@
           <a:p>
             <a:fld id="{3881C039-66A3-4640-815B-3B5A8B7D868D}" type="datetimeFigureOut">
               <a:rPr lang="en-US" smtClean="0"/>
-              <a:t>2/23/2021</a:t>
+              <a:t>2/4/2023</a:t>
             </a:fld>
             <a:endParaRPr lang="en-US"/>
           </a:p>
@@ -1768,7 +1768,7 @@
           <a:p>
             <a:fld id="{3881C039-66A3-4640-815B-3B5A8B7D868D}" type="datetimeFigureOut">
               <a:rPr lang="en-US" smtClean="0"/>
-              <a:t>2/23/2021</a:t>
+              <a:t>2/4/2023</a:t>
             </a:fld>
             <a:endParaRPr lang="en-US"/>
           </a:p>
@@ -2180,7 +2180,7 @@
           <a:p>
             <a:fld id="{3881C039-66A3-4640-815B-3B5A8B7D868D}" type="datetimeFigureOut">
               <a:rPr lang="en-US" smtClean="0"/>
-              <a:t>2/23/2021</a:t>
+              <a:t>2/4/2023</a:t>
             </a:fld>
             <a:endParaRPr lang="en-US"/>
           </a:p>
@@ -2321,7 +2321,7 @@
           <a:p>
             <a:fld id="{3881C039-66A3-4640-815B-3B5A8B7D868D}" type="datetimeFigureOut">
               <a:rPr lang="en-US" smtClean="0"/>
-              <a:t>2/23/2021</a:t>
+              <a:t>2/4/2023</a:t>
             </a:fld>
             <a:endParaRPr lang="en-US"/>
           </a:p>
@@ -2434,7 +2434,7 @@
           <a:p>
             <a:fld id="{3881C039-66A3-4640-815B-3B5A8B7D868D}" type="datetimeFigureOut">
               <a:rPr lang="en-US" smtClean="0"/>
-              <a:t>2/23/2021</a:t>
+              <a:t>2/4/2023</a:t>
             </a:fld>
             <a:endParaRPr lang="en-US"/>
           </a:p>
@@ -2745,7 +2745,7 @@
           <a:p>
             <a:fld id="{3881C039-66A3-4640-815B-3B5A8B7D868D}" type="datetimeFigureOut">
               <a:rPr lang="en-US" smtClean="0"/>
-              <a:t>2/23/2021</a:t>
+              <a:t>2/4/2023</a:t>
             </a:fld>
             <a:endParaRPr lang="en-US"/>
           </a:p>
@@ -3033,7 +3033,7 @@
           <a:p>
             <a:fld id="{3881C039-66A3-4640-815B-3B5A8B7D868D}" type="datetimeFigureOut">
               <a:rPr lang="en-US" smtClean="0"/>
-              <a:t>2/23/2021</a:t>
+              <a:t>2/4/2023</a:t>
             </a:fld>
             <a:endParaRPr lang="en-US"/>
           </a:p>
@@ -3277,7 +3277,7 @@
           <a:p>
             <a:fld id="{3881C039-66A3-4640-815B-3B5A8B7D868D}" type="datetimeFigureOut">
               <a:rPr lang="en-US" smtClean="0"/>
-              <a:t>2/23/2021</a:t>
+              <a:t>2/4/2023</a:t>
             </a:fld>
             <a:endParaRPr lang="en-US"/>
           </a:p>
@@ -4502,7 +4502,7 @@
                 </a:solidFill>
                 <a:latin typeface="Selawik Semibold" panose="020B0702040204020203" pitchFamily="34" charset="0"/>
               </a:rPr>
-              <a:t>Expect 0.93 Runs Under Current State = 0100</a:t>
+              <a:t>Expect 0.87 Runs Under Current State = 0100</a:t>
             </a:r>
           </a:p>
           <a:p>
@@ -4517,7 +4517,7 @@
                 </a:solidFill>
                 <a:latin typeface="Selawik Semibold" panose="020B0702040204020203" pitchFamily="34" charset="0"/>
               </a:rPr>
-              <a:t>Success: State = 0010 with 1.17 Expected Runs </a:t>
+              <a:t>Success: State = 0010 with 1.09 Expected Runs </a:t>
             </a:r>
           </a:p>
           <a:p>
@@ -4532,7 +4532,7 @@
                 </a:solidFill>
                 <a:latin typeface="Selawik Semibold" panose="020B0702040204020203" pitchFamily="34" charset="0"/>
               </a:rPr>
-              <a:t>Failure: State = 1000 with 0.29 Expected Runs</a:t>
+              <a:t>Failure: State = 1000 with 0.27 Expected Runs</a:t>
             </a:r>
           </a:p>
           <a:p>
@@ -4652,7 +4652,7 @@
                     </m:oMathParaPr>
                     <m:oMath xmlns:m="http://schemas.openxmlformats.org/officeDocument/2006/math">
                       <m:r>
-                        <a:rPr lang="en-US" sz="2000" b="1" i="1">
+                        <a:rPr lang="en-US" sz="2000" b="1" i="1" smtClean="0">
                           <a:solidFill>
                             <a:schemeClr val="bg1"/>
                           </a:solidFill>
@@ -4731,13 +4731,13 @@
                         <m:t>.</m:t>
                       </m:r>
                       <m:r>
-                        <a:rPr lang="en-US" sz="2000" b="1" i="1">
-                          <a:solidFill>
-                            <a:schemeClr val="bg1"/>
-                          </a:solidFill>
-                          <a:latin typeface="Cambria Math" panose="02040503050406030204" pitchFamily="18" charset="0"/>
-                        </a:rPr>
-                        <m:t>𝟏𝟕</m:t>
+                        <a:rPr lang="en-US" sz="2000" b="1" i="1" smtClean="0">
+                          <a:solidFill>
+                            <a:schemeClr val="bg1"/>
+                          </a:solidFill>
+                          <a:latin typeface="Cambria Math" panose="02040503050406030204" pitchFamily="18" charset="0"/>
+                        </a:rPr>
+                        <m:t>𝟎𝟗</m:t>
                       </m:r>
                       <m:r>
                         <a:rPr lang="en-US" sz="2000" b="1" i="1">
@@ -4823,7 +4823,7 @@
                           </a:solidFill>
                           <a:latin typeface="Cambria Math" panose="02040503050406030204" pitchFamily="18" charset="0"/>
                         </a:rPr>
-                        <m:t>𝟐𝟗</m:t>
+                        <m:t>𝟐𝟕</m:t>
                       </m:r>
                     </m:oMath>
                   </m:oMathPara>
@@ -4882,8 +4882,8 @@
           </p:sp>
         </mc:Fallback>
       </mc:AlternateContent>
-      <mc:AlternateContent xmlns:mc="http://schemas.openxmlformats.org/markup-compatibility/2006" xmlns:a14="http://schemas.microsoft.com/office/drawing/2010/main">
-        <mc:Choice Requires="a14">
+      <mc:AlternateContent xmlns:mc="http://schemas.openxmlformats.org/markup-compatibility/2006">
+        <mc:Choice xmlns:a14="http://schemas.microsoft.com/office/drawing/2010/main" Requires="a14">
           <p:sp>
             <p:nvSpPr>
               <p:cNvPr id="21" name="Rectangle 20">
@@ -4919,7 +4919,7 @@
                     </m:oMathParaPr>
                     <m:oMath xmlns:m="http://schemas.openxmlformats.org/officeDocument/2006/math">
                       <m:r>
-                        <a:rPr lang="en-US" sz="2000" b="1" i="1">
+                        <a:rPr lang="en-US" sz="2000" b="1" i="1" smtClean="0">
                           <a:solidFill>
                             <a:schemeClr val="bg1"/>
                           </a:solidFill>
@@ -4928,7 +4928,7 @@
                         <m:t>𝒑</m:t>
                       </m:r>
                       <m:r>
-                        <a:rPr lang="en-US" sz="2000" b="1" i="1">
+                        <a:rPr lang="en-US" sz="2000" b="1" i="1" smtClean="0">
                           <a:solidFill>
                             <a:schemeClr val="bg1"/>
                           </a:solidFill>
@@ -4937,7 +4937,7 @@
                         <m:t>×</m:t>
                       </m:r>
                       <m:r>
-                        <a:rPr lang="en-US" sz="2000" b="1" i="1">
+                        <a:rPr lang="en-US" sz="2000" b="1" i="1" smtClean="0">
                           <a:solidFill>
                             <a:schemeClr val="bg1"/>
                           </a:solidFill>
@@ -4946,7 +4946,7 @@
                         <m:t>𝟏</m:t>
                       </m:r>
                       <m:r>
-                        <a:rPr lang="en-US" sz="2000" b="1" i="1">
+                        <a:rPr lang="en-US" sz="2000" b="1" i="1" smtClean="0">
                           <a:solidFill>
                             <a:schemeClr val="bg1"/>
                           </a:solidFill>
@@ -4955,16 +4955,16 @@
                         <m:t>.</m:t>
                       </m:r>
                       <m:r>
-                        <a:rPr lang="en-US" sz="2000" b="1" i="1">
-                          <a:solidFill>
-                            <a:schemeClr val="bg1"/>
-                          </a:solidFill>
-                          <a:latin typeface="Cambria Math" panose="02040503050406030204" pitchFamily="18" charset="0"/>
-                        </a:rPr>
-                        <m:t>𝟏𝟕</m:t>
-                      </m:r>
-                      <m:r>
-                        <a:rPr lang="en-US" sz="2000" b="1" i="1">
+                        <a:rPr lang="en-US" sz="2000" b="1" i="1" smtClean="0">
+                          <a:solidFill>
+                            <a:schemeClr val="bg1"/>
+                          </a:solidFill>
+                          <a:latin typeface="Cambria Math" panose="02040503050406030204" pitchFamily="18" charset="0"/>
+                        </a:rPr>
+                        <m:t>𝟎𝟗</m:t>
+                      </m:r>
+                      <m:r>
+                        <a:rPr lang="en-US" sz="2000" b="1" i="1" smtClean="0">
                           <a:solidFill>
                             <a:schemeClr val="bg1"/>
                           </a:solidFill>
@@ -5047,7 +5047,7 @@
                           </a:solidFill>
                           <a:latin typeface="Cambria Math" panose="02040503050406030204" pitchFamily="18" charset="0"/>
                         </a:rPr>
-                        <m:t>𝟐𝟗</m:t>
+                        <m:t>𝟐𝟕</m:t>
                       </m:r>
                       <m:r>
                         <a:rPr lang="en-US" sz="2000" b="1" i="1">
@@ -5077,13 +5077,13 @@
                         <m:t>.</m:t>
                       </m:r>
                       <m:r>
-                        <a:rPr lang="en-US" sz="2000" b="1" i="1">
-                          <a:solidFill>
-                            <a:schemeClr val="bg1"/>
-                          </a:solidFill>
-                          <a:latin typeface="Cambria Math" panose="02040503050406030204" pitchFamily="18" charset="0"/>
-                        </a:rPr>
-                        <m:t>𝟗𝟑</m:t>
+                        <a:rPr lang="en-US" sz="2000" b="1" i="1" smtClean="0">
+                          <a:solidFill>
+                            <a:schemeClr val="bg1"/>
+                          </a:solidFill>
+                          <a:latin typeface="Cambria Math" panose="02040503050406030204" pitchFamily="18" charset="0"/>
+                        </a:rPr>
+                        <m:t>𝟖𝟕</m:t>
                       </m:r>
                     </m:oMath>
                   </m:oMathPara>
@@ -5121,13 +5121,13 @@
                         <m:t>.</m:t>
                       </m:r>
                       <m:r>
-                        <a:rPr lang="en-US" sz="2000" b="1" i="1">
-                          <a:solidFill>
-                            <a:schemeClr val="bg1"/>
-                          </a:solidFill>
-                          <a:latin typeface="Cambria Math" panose="02040503050406030204" pitchFamily="18" charset="0"/>
-                        </a:rPr>
-                        <m:t>𝟏𝟕</m:t>
+                        <a:rPr lang="en-US" sz="2000" b="1" i="1" smtClean="0">
+                          <a:solidFill>
+                            <a:schemeClr val="bg1"/>
+                          </a:solidFill>
+                          <a:latin typeface="Cambria Math" panose="02040503050406030204" pitchFamily="18" charset="0"/>
+                        </a:rPr>
+                        <m:t>𝟎𝟗</m:t>
                       </m:r>
                       <m:r>
                         <a:rPr lang="en-US" sz="2000" b="1" i="1">
@@ -5172,7 +5172,7 @@
                           </a:solidFill>
                           <a:latin typeface="Cambria Math" panose="02040503050406030204" pitchFamily="18" charset="0"/>
                         </a:rPr>
-                        <m:t>𝟐𝟗</m:t>
+                        <m:t>𝟐𝟕</m:t>
                       </m:r>
                       <m:r>
                         <a:rPr lang="en-US" sz="2000" b="1" i="1">
@@ -5208,7 +5208,7 @@
                           </a:solidFill>
                           <a:latin typeface="Cambria Math" panose="02040503050406030204" pitchFamily="18" charset="0"/>
                         </a:rPr>
-                        <m:t>𝟐𝟗</m:t>
+                        <m:t>𝟐𝟕</m:t>
                       </m:r>
                       <m:r>
                         <a:rPr lang="en-US" sz="2000" b="1" i="1">
@@ -5247,13 +5247,13 @@
                         <m:t>.</m:t>
                       </m:r>
                       <m:r>
-                        <a:rPr lang="en-US" sz="2000" b="1" i="1">
-                          <a:solidFill>
-                            <a:schemeClr val="bg1"/>
-                          </a:solidFill>
-                          <a:latin typeface="Cambria Math" panose="02040503050406030204" pitchFamily="18" charset="0"/>
-                        </a:rPr>
-                        <m:t>𝟗𝟑</m:t>
+                        <a:rPr lang="en-US" sz="2000" b="1" i="1" smtClean="0">
+                          <a:solidFill>
+                            <a:schemeClr val="bg1"/>
+                          </a:solidFill>
+                          <a:latin typeface="Cambria Math" panose="02040503050406030204" pitchFamily="18" charset="0"/>
+                        </a:rPr>
+                        <m:t>𝟖𝟕</m:t>
                       </m:r>
                     </m:oMath>
                   </m:oMathPara>
@@ -5297,7 +5297,7 @@
                           </a:solidFill>
                           <a:latin typeface="Cambria Math" panose="02040503050406030204" pitchFamily="18" charset="0"/>
                         </a:rPr>
-                        <m:t>𝟖𝟖</m:t>
+                        <m:t>𝟖𝟐</m:t>
                       </m:r>
                       <m:r>
                         <a:rPr lang="en-US" sz="2000" b="1" i="1">
@@ -5342,7 +5342,7 @@
                           </a:solidFill>
                           <a:latin typeface="Cambria Math" panose="02040503050406030204" pitchFamily="18" charset="0"/>
                         </a:rPr>
-                        <m:t>𝟐𝟗</m:t>
+                        <m:t>𝟐𝟕</m:t>
                       </m:r>
                       <m:r>
                         <a:rPr lang="en-US" sz="2000" b="1" i="1">
@@ -5372,13 +5372,13 @@
                         <m:t>.</m:t>
                       </m:r>
                       <m:r>
-                        <a:rPr lang="en-US" sz="2000" b="1" i="1">
-                          <a:solidFill>
-                            <a:schemeClr val="bg1"/>
-                          </a:solidFill>
-                          <a:latin typeface="Cambria Math" panose="02040503050406030204" pitchFamily="18" charset="0"/>
-                        </a:rPr>
-                        <m:t>𝟗𝟑</m:t>
+                        <a:rPr lang="en-US" sz="2000" b="1" i="1" smtClean="0">
+                          <a:solidFill>
+                            <a:schemeClr val="bg1"/>
+                          </a:solidFill>
+                          <a:latin typeface="Cambria Math" panose="02040503050406030204" pitchFamily="18" charset="0"/>
+                        </a:rPr>
+                        <m:t>𝟖𝟕</m:t>
                       </m:r>
                     </m:oMath>
                   </m:oMathPara>
@@ -5392,7 +5392,7 @@
             </p:txBody>
           </p:sp>
         </mc:Choice>
-        <mc:Fallback xmlns="">
+        <mc:Fallback>
           <p:sp>
             <p:nvSpPr>
               <p:cNvPr id="21" name="Rectangle 20">
@@ -5418,7 +5418,7 @@
               <a:blipFill>
                 <a:blip r:embed="rId5"/>
                 <a:stretch>
-                  <a:fillRect b="-4819"/>
+                  <a:fillRect b="-3012"/>
                 </a:stretch>
               </a:blipFill>
             </p:spPr>
@@ -5437,8 +5437,8 @@
           </p:sp>
         </mc:Fallback>
       </mc:AlternateContent>
-      <mc:AlternateContent xmlns:mc="http://schemas.openxmlformats.org/markup-compatibility/2006" xmlns:a14="http://schemas.microsoft.com/office/drawing/2010/main">
-        <mc:Choice Requires="a14">
+      <mc:AlternateContent xmlns:mc="http://schemas.openxmlformats.org/markup-compatibility/2006">
+        <mc:Choice xmlns:a14="http://schemas.microsoft.com/office/drawing/2010/main" Requires="a14">
           <p:sp>
             <p:nvSpPr>
               <p:cNvPr id="7" name="Rectangle 6">
@@ -5474,7 +5474,7 @@
                     </m:oMathParaPr>
                     <m:oMath xmlns:m="http://schemas.openxmlformats.org/officeDocument/2006/math">
                       <m:r>
-                        <a:rPr lang="en-US" sz="2000" b="1" i="1">
+                        <a:rPr lang="en-US" sz="2000" b="1" i="1" smtClean="0">
                           <a:solidFill>
                             <a:schemeClr val="bg1"/>
                           </a:solidFill>
@@ -5483,7 +5483,7 @@
                         <m:t>𝒑</m:t>
                       </m:r>
                       <m:r>
-                        <a:rPr lang="en-US" sz="2000" b="1" i="1">
+                        <a:rPr lang="en-US" sz="2000" b="1" i="1" smtClean="0">
                           <a:solidFill>
                             <a:schemeClr val="bg1"/>
                           </a:solidFill>
@@ -5522,13 +5522,13 @@
                             <m:t>.</m:t>
                           </m:r>
                           <m:r>
-                            <a:rPr lang="en-US" sz="2000" b="1" i="1">
+                            <a:rPr lang="en-US" sz="2000" b="1" i="1" smtClean="0">
                               <a:solidFill>
                                 <a:schemeClr val="bg1"/>
                               </a:solidFill>
                               <a:latin typeface="Cambria Math" panose="02040503050406030204" pitchFamily="18" charset="0"/>
                             </a:rPr>
-                            <m:t>𝟗𝟑</m:t>
+                            <m:t>𝟖𝟕</m:t>
                           </m:r>
                           <m:r>
                             <a:rPr lang="en-US" sz="2000" b="1" i="1">
@@ -5564,7 +5564,7 @@
                               </a:solidFill>
                               <a:latin typeface="Cambria Math" panose="02040503050406030204" pitchFamily="18" charset="0"/>
                             </a:rPr>
-                            <m:t>𝟐𝟗</m:t>
+                            <m:t>𝟐𝟕</m:t>
                           </m:r>
                         </m:num>
                         <m:den>
@@ -5593,7 +5593,7 @@
                               </a:solidFill>
                               <a:latin typeface="Cambria Math" panose="02040503050406030204" pitchFamily="18" charset="0"/>
                             </a:rPr>
-                            <m:t>𝟖𝟖</m:t>
+                            <m:t>𝟖𝟐</m:t>
                           </m:r>
                         </m:den>
                       </m:f>
@@ -5613,10 +5613,10 @@
                           </a:solidFill>
                           <a:latin typeface="Cambria Math" panose="02040503050406030204" pitchFamily="18" charset="0"/>
                         </a:rPr>
-                        <m:t>𝟕𝟐</m:t>
-                      </m:r>
-                      <m:r>
-                        <a:rPr lang="en-US" sz="2000" b="1" i="1">
+                        <m:t>𝟕𝟑</m:t>
+                      </m:r>
+                      <m:r>
+                        <a:rPr lang="en-US" sz="2000" b="1" i="1" smtClean="0">
                           <a:solidFill>
                             <a:schemeClr val="bg1"/>
                           </a:solidFill>
@@ -5625,13 +5625,13 @@
                         <m:t>.</m:t>
                       </m:r>
                       <m:r>
-                        <a:rPr lang="en-US" sz="2000" b="1" i="1">
-                          <a:solidFill>
-                            <a:schemeClr val="bg1"/>
-                          </a:solidFill>
-                          <a:latin typeface="Cambria Math" panose="02040503050406030204" pitchFamily="18" charset="0"/>
-                        </a:rPr>
-                        <m:t>𝟕</m:t>
+                        <a:rPr lang="en-US" sz="2000" b="1" i="1" smtClean="0">
+                          <a:solidFill>
+                            <a:schemeClr val="bg1"/>
+                          </a:solidFill>
+                          <a:latin typeface="Cambria Math" panose="02040503050406030204" pitchFamily="18" charset="0"/>
+                        </a:rPr>
+                        <m:t>𝟐</m:t>
                       </m:r>
                       <m:r>
                         <a:rPr lang="en-US" sz="2000" b="1" i="1">
@@ -5654,7 +5654,7 @@
             </p:txBody>
           </p:sp>
         </mc:Choice>
-        <mc:Fallback xmlns="">
+        <mc:Fallback>
           <p:sp>
             <p:nvSpPr>
               <p:cNvPr id="7" name="Rectangle 6">
@@ -6149,7 +6149,7 @@
         <p:spPr>
           <a:xfrm>
             <a:off x="3091281" y="1505396"/>
-            <a:ext cx="9698369" cy="5078313"/>
+            <a:ext cx="9698369" cy="4770537"/>
           </a:xfrm>
           <a:prstGeom prst="rect">
             <a:avLst/>
@@ -6188,7 +6188,7 @@
                 </a:solidFill>
                 <a:latin typeface="Selawik Semibold" panose="020B0702040204020203" pitchFamily="34" charset="0"/>
               </a:rPr>
-              <a:t>Historically, 70% Chance of Success on Steals</a:t>
+              <a:t>In 2016, 71% Chance of Success on Steals</a:t>
             </a:r>
           </a:p>
           <a:p>
@@ -6304,21 +6304,6 @@
               <a:buFont typeface="Arial" panose="020B0604020202020204" pitchFamily="34" charset="0"/>
               <a:buChar char="•"/>
             </a:pPr>
-            <a:r>
-              <a:rPr lang="en-US" sz="2000" dirty="0">
-                <a:solidFill>
-                  <a:schemeClr val="bg1"/>
-                </a:solidFill>
-                <a:latin typeface="Selawik Semibold" panose="020B0702040204020203" pitchFamily="34" charset="0"/>
-              </a:rPr>
-              <a:t>Solution: Chill Out Super Mario</a:t>
-            </a:r>
-          </a:p>
-          <a:p>
-            <a:pPr marL="800080" lvl="1" indent="-342891">
-              <a:buFont typeface="Arial" panose="020B0604020202020204" pitchFamily="34" charset="0"/>
-              <a:buChar char="•"/>
-            </a:pPr>
             <a:endParaRPr lang="en-US" sz="2000" dirty="0">
               <a:solidFill>
                 <a:schemeClr val="bg1"/>
@@ -6353,7 +6338,7 @@
                 </a:solidFill>
                 <a:latin typeface="Selawik Semibold" panose="020B0702040204020203" pitchFamily="34" charset="0"/>
               </a:rPr>
-              <a:t>Expected 0.93 Runs in State = 0100</a:t>
+              <a:t>Expected 0.87 Runs in State = 0100</a:t>
             </a:r>
           </a:p>
           <a:p>
@@ -6416,19 +6401,10 @@
                 </a:solidFill>
                 <a:latin typeface="Selawik Semibold" panose="020B0702040204020203" pitchFamily="34" charset="0"/>
               </a:rPr>
-              <a:t>Scenario </a:t>
-            </a:r>
-            <a:r>
-              <a:rPr lang="en-US">
-                <a:solidFill>
-                  <a:schemeClr val="bg1"/>
-                </a:solidFill>
-                <a:latin typeface="Selawik Semibold" panose="020B0702040204020203" pitchFamily="34" charset="0"/>
-              </a:rPr>
-              <a:t>2: Stop at 2</a:t>
-            </a:r>
-            <a:r>
-              <a:rPr lang="en-US" baseline="30000">
+              <a:t>Scenario 2: Stop at 2</a:t>
+            </a:r>
+            <a:r>
+              <a:rPr lang="en-US" baseline="30000" dirty="0">
                 <a:solidFill>
                   <a:schemeClr val="bg1"/>
                 </a:solidFill>
@@ -6437,7 +6413,7 @@
               <a:t>nd</a:t>
             </a:r>
             <a:r>
-              <a:rPr lang="en-US">
+              <a:rPr lang="en-US" dirty="0">
                 <a:solidFill>
                   <a:schemeClr val="bg1"/>
                 </a:solidFill>
@@ -6445,17 +6421,11 @@
               </a:rPr>
               <a:t> Base </a:t>
             </a:r>
-            <a:endParaRPr lang="en-US" dirty="0">
-              <a:solidFill>
-                <a:schemeClr val="bg1"/>
-              </a:solidFill>
-              <a:latin typeface="Selawik Semibold" panose="020B0702040204020203" pitchFamily="34" charset="0"/>
-            </a:endParaRPr>
           </a:p>
         </p:txBody>
       </p:sp>
-      <mc:AlternateContent xmlns:mc="http://schemas.openxmlformats.org/markup-compatibility/2006" xmlns:a14="http://schemas.microsoft.com/office/drawing/2010/main">
-        <mc:Choice Requires="a14">
+      <mc:AlternateContent xmlns:mc="http://schemas.openxmlformats.org/markup-compatibility/2006">
+        <mc:Choice xmlns:a14="http://schemas.microsoft.com/office/drawing/2010/main" Requires="a14">
           <p:sp>
             <p:nvSpPr>
               <p:cNvPr id="14" name="Rectangle 13">
@@ -6491,7 +6461,7 @@
                     </m:oMathParaPr>
                     <m:oMath xmlns:m="http://schemas.openxmlformats.org/officeDocument/2006/math">
                       <m:r>
-                        <a:rPr lang="en-US" sz="2000" b="1" i="1">
+                        <a:rPr lang="en-US" sz="2000" b="1" i="1" smtClean="0">
                           <a:solidFill>
                             <a:schemeClr val="bg1"/>
                           </a:solidFill>
@@ -6588,13 +6558,13 @@
                         <m:t>.</m:t>
                       </m:r>
                       <m:r>
-                        <a:rPr lang="en-US" sz="2000" b="1" i="1">
-                          <a:solidFill>
-                            <a:schemeClr val="bg1"/>
-                          </a:solidFill>
-                          <a:latin typeface="Cambria Math" panose="02040503050406030204" pitchFamily="18" charset="0"/>
-                        </a:rPr>
-                        <m:t>𝟏𝟕</m:t>
+                        <a:rPr lang="en-US" sz="2000" b="1" i="1" smtClean="0">
+                          <a:solidFill>
+                            <a:schemeClr val="bg1"/>
+                          </a:solidFill>
+                          <a:latin typeface="Cambria Math" panose="02040503050406030204" pitchFamily="18" charset="0"/>
+                        </a:rPr>
+                        <m:t>𝟎𝟗</m:t>
                       </m:r>
                       <m:r>
                         <a:rPr lang="en-US" sz="2000" b="1" i="1">
@@ -6698,7 +6668,7 @@
                           </a:solidFill>
                           <a:latin typeface="Cambria Math" panose="02040503050406030204" pitchFamily="18" charset="0"/>
                         </a:rPr>
-                        <m:t>𝟐𝟗</m:t>
+                        <m:t>𝟐𝟕</m:t>
                       </m:r>
                       <m:r>
                         <a:rPr lang="en-US" sz="2000" b="1" i="1">
@@ -6728,13 +6698,13 @@
                         <m:t>.</m:t>
                       </m:r>
                       <m:r>
-                        <a:rPr lang="en-US" sz="2000" b="1" i="1">
-                          <a:solidFill>
-                            <a:schemeClr val="bg1"/>
-                          </a:solidFill>
-                          <a:latin typeface="Cambria Math" panose="02040503050406030204" pitchFamily="18" charset="0"/>
-                        </a:rPr>
-                        <m:t>𝟏𝟐𝟔</m:t>
+                        <a:rPr lang="en-US" sz="2000" b="1" i="1" smtClean="0">
+                          <a:solidFill>
+                            <a:schemeClr val="bg1"/>
+                          </a:solidFill>
+                          <a:latin typeface="Cambria Math" panose="02040503050406030204" pitchFamily="18" charset="0"/>
+                        </a:rPr>
+                        <m:t>𝟎𝟒𝟗</m:t>
                       </m:r>
                     </m:oMath>
                   </m:oMathPara>
@@ -6748,7 +6718,7 @@
             </p:txBody>
           </p:sp>
         </mc:Choice>
-        <mc:Fallback xmlns="">
+        <mc:Fallback>
           <p:sp>
             <p:nvSpPr>
               <p:cNvPr id="14" name="Rectangle 13">
@@ -6793,8 +6763,8 @@
           </p:sp>
         </mc:Fallback>
       </mc:AlternateContent>
-      <mc:AlternateContent xmlns:mc="http://schemas.openxmlformats.org/markup-compatibility/2006" xmlns:a14="http://schemas.microsoft.com/office/drawing/2010/main">
-        <mc:Choice Requires="a14">
+      <mc:AlternateContent xmlns:mc="http://schemas.openxmlformats.org/markup-compatibility/2006">
+        <mc:Choice xmlns:a14="http://schemas.microsoft.com/office/drawing/2010/main" Requires="a14">
           <p:sp>
             <p:nvSpPr>
               <p:cNvPr id="15" name="Rectangle 14">
@@ -6830,7 +6800,7 @@
                     </m:oMathParaPr>
                     <m:oMath xmlns:m="http://schemas.openxmlformats.org/officeDocument/2006/math">
                       <m:r>
-                        <a:rPr lang="en-US" sz="2000" b="1" i="1">
+                        <a:rPr lang="en-US" sz="2000" b="1" i="1" smtClean="0">
                           <a:solidFill>
                             <a:schemeClr val="bg1"/>
                           </a:solidFill>
@@ -6839,7 +6809,7 @@
                         <m:t>𝟏</m:t>
                       </m:r>
                       <m:r>
-                        <a:rPr lang="en-US" sz="2000" b="1" i="1">
+                        <a:rPr lang="en-US" sz="2000" b="1" i="1" smtClean="0">
                           <a:solidFill>
                             <a:schemeClr val="bg1"/>
                           </a:solidFill>
@@ -6848,13 +6818,13 @@
                         <m:t>.</m:t>
                       </m:r>
                       <m:r>
-                        <a:rPr lang="en-US" sz="2000" b="1" i="1">
-                          <a:solidFill>
-                            <a:schemeClr val="bg1"/>
-                          </a:solidFill>
-                          <a:latin typeface="Cambria Math" panose="02040503050406030204" pitchFamily="18" charset="0"/>
-                        </a:rPr>
-                        <m:t>𝟏𝟐𝟔</m:t>
+                        <a:rPr lang="en-US" sz="2000" b="1" i="1" smtClean="0">
+                          <a:solidFill>
+                            <a:schemeClr val="bg1"/>
+                          </a:solidFill>
+                          <a:latin typeface="Cambria Math" panose="02040503050406030204" pitchFamily="18" charset="0"/>
+                        </a:rPr>
+                        <m:t>𝟎𝟒𝟗</m:t>
                       </m:r>
                       <m:r>
                         <a:rPr lang="en-US" sz="2000" b="1" i="1">
@@ -6875,7 +6845,7 @@
                         <m:t>𝟎</m:t>
                       </m:r>
                       <m:r>
-                        <a:rPr lang="en-US" sz="2000" b="1" i="1">
+                        <a:rPr lang="en-US" sz="2000" b="1" i="1" smtClean="0">
                           <a:solidFill>
                             <a:schemeClr val="bg1"/>
                           </a:solidFill>
@@ -6884,13 +6854,13 @@
                         <m:t>.</m:t>
                       </m:r>
                       <m:r>
-                        <a:rPr lang="en-US" sz="2000" b="1" i="1">
-                          <a:solidFill>
-                            <a:schemeClr val="bg1"/>
-                          </a:solidFill>
-                          <a:latin typeface="Cambria Math" panose="02040503050406030204" pitchFamily="18" charset="0"/>
-                        </a:rPr>
-                        <m:t>𝟗𝟑</m:t>
+                        <a:rPr lang="en-US" sz="2000" b="1" i="1" smtClean="0">
+                          <a:solidFill>
+                            <a:schemeClr val="bg1"/>
+                          </a:solidFill>
+                          <a:latin typeface="Cambria Math" panose="02040503050406030204" pitchFamily="18" charset="0"/>
+                        </a:rPr>
+                        <m:t>𝟖𝟕</m:t>
                       </m:r>
                       <m:r>
                         <a:rPr lang="en-US" sz="2000" b="1" i="1">
@@ -6926,7 +6896,7 @@
                           </a:solidFill>
                           <a:latin typeface="Cambria Math" panose="02040503050406030204" pitchFamily="18" charset="0"/>
                         </a:rPr>
-                        <m:t>𝟏𝟗𝟔</m:t>
+                        <m:t>𝟏𝟕𝟗</m:t>
                       </m:r>
                       <m:r>
                         <a:rPr lang="en-US" sz="2000" b="1" i="1">
@@ -6958,7 +6928,7 @@
             </p:txBody>
           </p:sp>
         </mc:Choice>
-        <mc:Fallback xmlns="">
+        <mc:Fallback>
           <p:sp>
             <p:nvSpPr>
               <p:cNvPr id="15" name="Rectangle 14">
@@ -7448,7 +7418,7 @@
                 </a:solidFill>
                 <a:latin typeface="Selawik Semibold" panose="020B0702040204020203" pitchFamily="34" charset="0"/>
               </a:rPr>
-              <a:t>Under Scenario 1: Expect 1.86 Runs in State = 0101</a:t>
+              <a:t>Under Scenario 1: Expect 1.68 Runs in State = 0101</a:t>
             </a:r>
           </a:p>
           <a:p>
@@ -7463,7 +7433,7 @@
                 </a:solidFill>
                 <a:latin typeface="Selawik Semibold" panose="020B0702040204020203" pitchFamily="34" charset="0"/>
               </a:rPr>
-              <a:t>Under Scenario 2: Expect 1.49 Runs in State = 0110</a:t>
+              <a:t>Under Scenario 2: Expect 1.46 Runs in State = 0110</a:t>
             </a:r>
           </a:p>
           <a:p>
@@ -7478,7 +7448,7 @@
                 </a:solidFill>
                 <a:latin typeface="Selawik Semibold" panose="020B0702040204020203" pitchFamily="34" charset="0"/>
               </a:rPr>
-              <a:t>If Runner is Out: Expect 0.55 Runs in State = 1100</a:t>
+              <a:t>If Runner is Out: Expect 0.53 Runs in State = 1100</a:t>
             </a:r>
           </a:p>
           <a:p>
@@ -7526,7 +7496,7 @@
                 </a:solidFill>
                 <a:latin typeface="Selawik Semibold" panose="020B0702040204020203" pitchFamily="34" charset="0"/>
               </a:rPr>
-              <a:t>If p = 0.72, then…</a:t>
+              <a:t>If p = 0.81, then…</a:t>
             </a:r>
           </a:p>
           <a:p>
@@ -7565,7 +7535,7 @@
                 </a:solidFill>
                 <a:latin typeface="Selawik Semibold" panose="020B0702040204020203" pitchFamily="34" charset="0"/>
               </a:rPr>
-              <a:t>Interpretation: If Base Runner has a 72% Chance of Getting to 3</a:t>
+              <a:t>Interpretation: If Base Runner has a 81% Chance of Getting to 3</a:t>
             </a:r>
             <a:r>
               <a:rPr lang="en-US" sz="2000" baseline="30000" dirty="0">
@@ -7598,7 +7568,7 @@
                 </a:solidFill>
                 <a:latin typeface="Selawik Semibold" panose="020B0702040204020203" pitchFamily="34" charset="0"/>
               </a:rPr>
-              <a:t>Historically, 97% of the Time Base Runner Succeeds</a:t>
+              <a:t>Data from 2005: 97% of the Time Base Runner Succeeded</a:t>
             </a:r>
           </a:p>
           <a:p>
@@ -7648,8 +7618,8 @@
           </a:p>
         </p:txBody>
       </p:sp>
-      <mc:AlternateContent xmlns:mc="http://schemas.openxmlformats.org/markup-compatibility/2006" xmlns:a14="http://schemas.microsoft.com/office/drawing/2010/main">
-        <mc:Choice Requires="a14">
+      <mc:AlternateContent xmlns:mc="http://schemas.openxmlformats.org/markup-compatibility/2006">
+        <mc:Choice xmlns:a14="http://schemas.microsoft.com/office/drawing/2010/main" Requires="a14">
           <p:sp>
             <p:nvSpPr>
               <p:cNvPr id="12" name="Rectangle 11">
@@ -7685,7 +7655,7 @@
                     </m:oMathParaPr>
                     <m:oMath xmlns:m="http://schemas.openxmlformats.org/officeDocument/2006/math">
                       <m:r>
-                        <a:rPr lang="en-US" sz="2000" b="1" i="1">
+                        <a:rPr lang="en-US" sz="2000" b="1" i="1" smtClean="0">
                           <a:solidFill>
                             <a:schemeClr val="bg1"/>
                           </a:solidFill>
@@ -7694,7 +7664,7 @@
                         <m:t>𝒑</m:t>
                       </m:r>
                       <m:r>
-                        <a:rPr lang="en-US" sz="2000" b="1" i="1">
+                        <a:rPr lang="en-US" sz="2000" b="1" i="1" smtClean="0">
                           <a:solidFill>
                             <a:schemeClr val="bg1"/>
                           </a:solidFill>
@@ -7703,7 +7673,7 @@
                         <m:t>×</m:t>
                       </m:r>
                       <m:r>
-                        <a:rPr lang="en-US" sz="2000" b="1" i="1">
+                        <a:rPr lang="en-US" sz="2000" b="1" i="1" smtClean="0">
                           <a:solidFill>
                             <a:schemeClr val="bg1"/>
                           </a:solidFill>
@@ -7712,7 +7682,7 @@
                         <m:t>𝟏</m:t>
                       </m:r>
                       <m:r>
-                        <a:rPr lang="en-US" sz="2000" b="1" i="1">
+                        <a:rPr lang="en-US" sz="2000" b="1" i="1" smtClean="0">
                           <a:solidFill>
                             <a:schemeClr val="bg1"/>
                           </a:solidFill>
@@ -7721,13 +7691,13 @@
                         <m:t>.</m:t>
                       </m:r>
                       <m:r>
-                        <a:rPr lang="en-US" sz="2000" b="1" i="1">
-                          <a:solidFill>
-                            <a:schemeClr val="bg1"/>
-                          </a:solidFill>
-                          <a:latin typeface="Cambria Math" panose="02040503050406030204" pitchFamily="18" charset="0"/>
-                        </a:rPr>
-                        <m:t>𝟖𝟔</m:t>
+                        <a:rPr lang="en-US" sz="2000" b="1" i="1" smtClean="0">
+                          <a:solidFill>
+                            <a:schemeClr val="bg1"/>
+                          </a:solidFill>
+                          <a:latin typeface="Cambria Math" panose="02040503050406030204" pitchFamily="18" charset="0"/>
+                        </a:rPr>
+                        <m:t>𝟔𝟖</m:t>
                       </m:r>
                       <m:r>
                         <a:rPr lang="en-US" sz="2000" b="1" i="1">
@@ -7813,7 +7783,7 @@
                           </a:solidFill>
                           <a:latin typeface="Cambria Math" panose="02040503050406030204" pitchFamily="18" charset="0"/>
                         </a:rPr>
-                        <m:t>𝟓𝟓</m:t>
+                        <m:t>𝟓𝟑</m:t>
                       </m:r>
                       <m:r>
                         <a:rPr lang="en-US" sz="2000" b="1" i="1">
@@ -7849,7 +7819,7 @@
                           </a:solidFill>
                           <a:latin typeface="Cambria Math" panose="02040503050406030204" pitchFamily="18" charset="0"/>
                         </a:rPr>
-                        <m:t>𝟒𝟗</m:t>
+                        <m:t>𝟒𝟔</m:t>
                       </m:r>
                     </m:oMath>
                   </m:oMathPara>
@@ -7863,7 +7833,7 @@
             </p:txBody>
           </p:sp>
         </mc:Choice>
-        <mc:Fallback xmlns="">
+        <mc:Fallback>
           <p:sp>
             <p:nvSpPr>
               <p:cNvPr id="12" name="Rectangle 11">
@@ -8345,10 +8315,10 @@
       </p:sp>
       <p:pic>
         <p:nvPicPr>
-          <p:cNvPr id="2" name="Picture 1">
-            <a:extLst>
-              <a:ext uri="{FF2B5EF4-FFF2-40B4-BE49-F238E27FC236}">
-                <a16:creationId xmlns:a16="http://schemas.microsoft.com/office/drawing/2014/main" id="{1CEA0F80-51AE-47F3-9205-C64AE5968BF0}"/>
+          <p:cNvPr id="4" name="Picture 3">
+            <a:extLst>
+              <a:ext uri="{FF2B5EF4-FFF2-40B4-BE49-F238E27FC236}">
+                <a16:creationId xmlns:a16="http://schemas.microsoft.com/office/drawing/2014/main" id="{04AA395F-BA44-799F-1D70-AF252F4416D3}"/>
               </a:ext>
             </a:extLst>
           </p:cNvPr>
@@ -8365,13 +8335,13 @@
         </p:blipFill>
         <p:spPr>
           <a:xfrm>
-            <a:off x="3549114" y="2002590"/>
-            <a:ext cx="6312223" cy="4755397"/>
+            <a:off x="3620919" y="2164109"/>
+            <a:ext cx="4950162" cy="4432362"/>
           </a:xfrm>
           <a:prstGeom prst="rect">
             <a:avLst/>
           </a:prstGeom>
-          <a:ln w="38100">
+          <a:ln w="25400">
             <a:solidFill>
               <a:schemeClr val="tx1"/>
             </a:solidFill>
@@ -9486,7 +9456,7 @@
                     </m:oMathParaPr>
                     <m:oMath xmlns:m="http://schemas.openxmlformats.org/officeDocument/2006/math">
                       <m:r>
-                        <a:rPr lang="en-US" sz="2000" b="1" i="1">
+                        <a:rPr lang="en-US" sz="2000" b="1" i="1" smtClean="0">
                           <a:solidFill>
                             <a:schemeClr val="bg1"/>
                           </a:solidFill>
@@ -9540,7 +9510,7 @@
                         <m:t>=</m:t>
                       </m:r>
                       <m:r>
-                        <a:rPr lang="en-US" sz="2000" b="1" i="1">
+                        <a:rPr lang="en-US" sz="2000" b="1" i="1" smtClean="0">
                           <a:solidFill>
                             <a:schemeClr val="bg1"/>
                           </a:solidFill>
@@ -9549,7 +9519,7 @@
                         <m:t>𝟐</m:t>
                       </m:r>
                       <m:r>
-                        <a:rPr lang="en-US" sz="2000" b="1" i="1">
+                        <a:rPr lang="en-US" sz="2000" b="1" i="1" smtClean="0">
                           <a:solidFill>
                             <a:schemeClr val="bg1"/>
                           </a:solidFill>
@@ -9558,13 +9528,13 @@
                         <m:t>.</m:t>
                       </m:r>
                       <m:r>
-                        <a:rPr lang="en-US" sz="2000" b="1" i="1">
-                          <a:solidFill>
-                            <a:schemeClr val="bg1"/>
-                          </a:solidFill>
-                          <a:latin typeface="Cambria Math" panose="02040503050406030204" pitchFamily="18" charset="0"/>
-                        </a:rPr>
-                        <m:t>𝟐𝟕</m:t>
+                        <a:rPr lang="en-US" sz="2000" b="1" i="1" smtClean="0">
+                          <a:solidFill>
+                            <a:schemeClr val="bg1"/>
+                          </a:solidFill>
+                          <a:latin typeface="Cambria Math" panose="02040503050406030204" pitchFamily="18" charset="0"/>
+                        </a:rPr>
+                        <m:t>𝟐𝟕𝟏𝟓</m:t>
                       </m:r>
                     </m:oMath>
                   </m:oMathPara>
@@ -9623,8 +9593,8 @@
           </p:sp>
         </mc:Fallback>
       </mc:AlternateContent>
-      <mc:AlternateContent xmlns:mc="http://schemas.openxmlformats.org/markup-compatibility/2006">
-        <mc:Choice xmlns:a14="http://schemas.microsoft.com/office/drawing/2010/main" Requires="a14">
+      <mc:AlternateContent xmlns:mc="http://schemas.openxmlformats.org/markup-compatibility/2006" xmlns:a14="http://schemas.microsoft.com/office/drawing/2010/main">
+        <mc:Choice Requires="a14">
           <p:sp>
             <p:nvSpPr>
               <p:cNvPr id="12" name="TextBox 11">
@@ -9739,7 +9709,7 @@
                           </a:solidFill>
                           <a:latin typeface="Cambria Math" panose="02040503050406030204" pitchFamily="18" charset="0"/>
                         </a:rPr>
-                        <m:t>𝟏𝟏</m:t>
+                        <m:t>𝟏𝟎𝟐𝟖</m:t>
                       </m:r>
                     </m:oMath>
                   </m:oMathPara>
@@ -9753,7 +9723,7 @@
             </p:txBody>
           </p:sp>
         </mc:Choice>
-        <mc:Fallback>
+        <mc:Fallback xmlns="">
           <p:sp>
             <p:nvSpPr>
               <p:cNvPr id="12" name="TextBox 11">
@@ -10262,10 +10232,10 @@
       </p:sp>
       <p:pic>
         <p:nvPicPr>
-          <p:cNvPr id="3" name="Picture 2">
-            <a:extLst>
-              <a:ext uri="{FF2B5EF4-FFF2-40B4-BE49-F238E27FC236}">
-                <a16:creationId xmlns:a16="http://schemas.microsoft.com/office/drawing/2014/main" id="{2E54CA4A-5CB8-40A9-AE12-B3FB0CDA0643}"/>
+          <p:cNvPr id="4" name="Picture 3">
+            <a:extLst>
+              <a:ext uri="{FF2B5EF4-FFF2-40B4-BE49-F238E27FC236}">
+                <a16:creationId xmlns:a16="http://schemas.microsoft.com/office/drawing/2014/main" id="{50A7CEE8-CC08-A1B6-B743-388F2208EFB0}"/>
               </a:ext>
             </a:extLst>
           </p:cNvPr>
@@ -10282,15 +10252,15 @@
         </p:blipFill>
         <p:spPr>
           <a:xfrm>
-            <a:off x="3981691" y="2362149"/>
-            <a:ext cx="5416349" cy="4075408"/>
+            <a:off x="3375137" y="2446813"/>
+            <a:ext cx="8282348" cy="3969420"/>
           </a:xfrm>
           <a:prstGeom prst="rect">
             <a:avLst/>
           </a:prstGeom>
-          <a:ln w="38100">
+          <a:ln w="25400">
             <a:solidFill>
-              <a:schemeClr val="tx1"/>
+              <a:srgbClr val="002060"/>
             </a:solidFill>
           </a:ln>
         </p:spPr>
@@ -15288,7 +15258,7 @@
         </p:nvSpPr>
         <p:spPr>
           <a:xfrm>
-            <a:off x="-2" y="-52157"/>
+            <a:off x="26391" y="-52157"/>
             <a:ext cx="12192000" cy="6910157"/>
           </a:xfrm>
           <a:prstGeom prst="rect">
@@ -15681,7 +15651,7 @@
                 </a:solidFill>
                 <a:latin typeface="Selawik Semibold" panose="020B0702040204020203" pitchFamily="34" charset="0"/>
               </a:rPr>
-              <a:t>Expect 0.93 Runs Under Current State = 0100</a:t>
+              <a:t>Expect 0.87 Runs Under Current State = 0100</a:t>
             </a:r>
           </a:p>
           <a:p>
@@ -15701,12 +15671,136 @@
           </a:p>
         </p:txBody>
       </p:sp>
+      <p:sp>
+        <p:nvSpPr>
+          <p:cNvPr id="3" name="TextBox 2">
+            <a:extLst>
+              <a:ext uri="{FF2B5EF4-FFF2-40B4-BE49-F238E27FC236}">
+                <a16:creationId xmlns:a16="http://schemas.microsoft.com/office/drawing/2014/main" id="{E1C961E3-EC5F-4577-BEDA-30612C755085}"/>
+              </a:ext>
+            </a:extLst>
+          </p:cNvPr>
+          <p:cNvSpPr txBox="1"/>
+          <p:nvPr/>
+        </p:nvSpPr>
+        <p:spPr>
+          <a:xfrm>
+            <a:off x="10123373" y="3597025"/>
+            <a:ext cx="1812747" cy="707886"/>
+          </a:xfrm>
+          <a:prstGeom prst="rect">
+            <a:avLst/>
+          </a:prstGeom>
+          <a:noFill/>
+        </p:spPr>
+        <p:txBody>
+          <a:bodyPr wrap="square" rtlCol="0">
+            <a:spAutoFit/>
+          </a:bodyPr>
+          <a:lstStyle/>
+          <a:p>
+            <a:pPr algn="ctr"/>
+            <a:r>
+              <a:rPr lang="en-US" sz="2000" dirty="0">
+                <a:solidFill>
+                  <a:schemeClr val="bg1"/>
+                </a:solidFill>
+              </a:rPr>
+              <a:t>Based on Previous Table</a:t>
+            </a:r>
+          </a:p>
+        </p:txBody>
+      </p:sp>
+      <p:cxnSp>
+        <p:nvCxnSpPr>
+          <p:cNvPr id="6" name="Straight Arrow Connector 5">
+            <a:extLst>
+              <a:ext uri="{FF2B5EF4-FFF2-40B4-BE49-F238E27FC236}">
+                <a16:creationId xmlns:a16="http://schemas.microsoft.com/office/drawing/2014/main" id="{9652C815-0A16-4DB6-87F0-D3448D320874}"/>
+              </a:ext>
+            </a:extLst>
+          </p:cNvPr>
+          <p:cNvCxnSpPr>
+            <a:cxnSpLocks/>
+          </p:cNvCxnSpPr>
+          <p:nvPr/>
+        </p:nvCxnSpPr>
+        <p:spPr>
+          <a:xfrm>
+            <a:off x="7678357" y="3802384"/>
+            <a:ext cx="2700898" cy="46633"/>
+          </a:xfrm>
+          <a:prstGeom prst="straightConnector1">
+            <a:avLst/>
+          </a:prstGeom>
+          <a:ln w="57150">
+            <a:solidFill>
+              <a:schemeClr val="tx1"/>
+            </a:solidFill>
+            <a:tailEnd type="triangle"/>
+          </a:ln>
+        </p:spPr>
+        <p:style>
+          <a:lnRef idx="1">
+            <a:schemeClr val="accent1"/>
+          </a:lnRef>
+          <a:fillRef idx="0">
+            <a:schemeClr val="accent1"/>
+          </a:fillRef>
+          <a:effectRef idx="0">
+            <a:schemeClr val="accent1"/>
+          </a:effectRef>
+          <a:fontRef idx="minor">
+            <a:schemeClr val="tx1"/>
+          </a:fontRef>
+        </p:style>
+      </p:cxnSp>
+      <p:sp>
+        <p:nvSpPr>
+          <p:cNvPr id="18" name="TextBox 17">
+            <a:extLst>
+              <a:ext uri="{FF2B5EF4-FFF2-40B4-BE49-F238E27FC236}">
+                <a16:creationId xmlns:a16="http://schemas.microsoft.com/office/drawing/2014/main" id="{49CBC57D-7756-4F19-93F9-B098E8A91A45}"/>
+              </a:ext>
+            </a:extLst>
+          </p:cNvPr>
+          <p:cNvSpPr txBox="1"/>
+          <p:nvPr/>
+        </p:nvSpPr>
+        <p:spPr>
+          <a:xfrm>
+            <a:off x="9774959" y="4814328"/>
+            <a:ext cx="2495652" cy="707886"/>
+          </a:xfrm>
+          <a:prstGeom prst="rect">
+            <a:avLst/>
+          </a:prstGeom>
+          <a:noFill/>
+        </p:spPr>
+        <p:txBody>
+          <a:bodyPr wrap="square" rtlCol="0">
+            <a:spAutoFit/>
+          </a:bodyPr>
+          <a:lstStyle/>
+          <a:p>
+            <a:pPr algn="ctr"/>
+            <a:r>
+              <a:rPr lang="en-US" sz="2000" dirty="0">
+                <a:solidFill>
+                  <a:schemeClr val="bg1"/>
+                </a:solidFill>
+              </a:rPr>
+              <a:t>Based on Known Relative Frequencies</a:t>
+            </a:r>
+          </a:p>
+        </p:txBody>
+      </p:sp>
       <p:pic>
         <p:nvPicPr>
-          <p:cNvPr id="4" name="Picture 3">
-            <a:extLst>
-              <a:ext uri="{FF2B5EF4-FFF2-40B4-BE49-F238E27FC236}">
-                <a16:creationId xmlns:a16="http://schemas.microsoft.com/office/drawing/2014/main" id="{EC1BF461-17F9-47B8-AE34-44D208218FBA}"/>
+          <p:cNvPr id="11" name="Picture 10">
+            <a:extLst>
+              <a:ext uri="{FF2B5EF4-FFF2-40B4-BE49-F238E27FC236}">
+                <a16:creationId xmlns:a16="http://schemas.microsoft.com/office/drawing/2014/main" id="{9AF7A3A6-C6D0-0314-0A79-14C01F44DDCF}"/>
               </a:ext>
             </a:extLst>
           </p:cNvPr>
@@ -15723,19 +15817,110 @@
         </p:blipFill>
         <p:spPr>
           <a:xfrm>
-            <a:off x="4027990" y="2667037"/>
-            <a:ext cx="5668359" cy="4061097"/>
+            <a:off x="3954878" y="2598011"/>
+            <a:ext cx="3587962" cy="4133956"/>
           </a:xfrm>
           <a:prstGeom prst="rect">
             <a:avLst/>
           </a:prstGeom>
+        </p:spPr>
+      </p:pic>
+      <p:sp>
+        <p:nvSpPr>
+          <p:cNvPr id="12" name="Rectangle 11">
+            <a:extLst>
+              <a:ext uri="{FF2B5EF4-FFF2-40B4-BE49-F238E27FC236}">
+                <a16:creationId xmlns:a16="http://schemas.microsoft.com/office/drawing/2014/main" id="{E62497A3-C4A0-4F02-8E9B-C855BD75D319}"/>
+              </a:ext>
+            </a:extLst>
+          </p:cNvPr>
+          <p:cNvSpPr/>
+          <p:nvPr/>
+        </p:nvSpPr>
+        <p:spPr>
+          <a:xfrm>
+            <a:off x="6226179" y="3597025"/>
+            <a:ext cx="636516" cy="3212484"/>
+          </a:xfrm>
+          <a:prstGeom prst="rect">
+            <a:avLst/>
+          </a:prstGeom>
+          <a:noFill/>
           <a:ln w="38100">
             <a:solidFill>
               <a:schemeClr val="tx1"/>
             </a:solidFill>
           </a:ln>
         </p:spPr>
-      </p:pic>
+        <p:style>
+          <a:lnRef idx="2">
+            <a:schemeClr val="accent1">
+              <a:shade val="50000"/>
+            </a:schemeClr>
+          </a:lnRef>
+          <a:fillRef idx="1">
+            <a:schemeClr val="accent1"/>
+          </a:fillRef>
+          <a:effectRef idx="0">
+            <a:schemeClr val="accent1"/>
+          </a:effectRef>
+          <a:fontRef idx="minor">
+            <a:schemeClr val="lt1"/>
+          </a:fontRef>
+        </p:style>
+        <p:txBody>
+          <a:bodyPr rtlCol="0" anchor="ctr"/>
+          <a:lstStyle/>
+          <a:p>
+            <a:pPr algn="ctr"/>
+            <a:endParaRPr lang="en-US"/>
+          </a:p>
+        </p:txBody>
+      </p:sp>
+      <p:cxnSp>
+        <p:nvCxnSpPr>
+          <p:cNvPr id="19" name="Straight Arrow Connector 18">
+            <a:extLst>
+              <a:ext uri="{FF2B5EF4-FFF2-40B4-BE49-F238E27FC236}">
+                <a16:creationId xmlns:a16="http://schemas.microsoft.com/office/drawing/2014/main" id="{4EEC9CB7-6A8E-4AB3-84E3-D7821A7BB18F}"/>
+              </a:ext>
+            </a:extLst>
+          </p:cNvPr>
+          <p:cNvCxnSpPr>
+            <a:cxnSpLocks/>
+          </p:cNvCxnSpPr>
+          <p:nvPr/>
+        </p:nvCxnSpPr>
+        <p:spPr>
+          <a:xfrm flipV="1">
+            <a:off x="6862695" y="5131079"/>
+            <a:ext cx="3162274" cy="272194"/>
+          </a:xfrm>
+          <a:prstGeom prst="straightConnector1">
+            <a:avLst/>
+          </a:prstGeom>
+          <a:ln w="57150">
+            <a:solidFill>
+              <a:schemeClr val="tx1"/>
+            </a:solidFill>
+            <a:tailEnd type="triangle"/>
+          </a:ln>
+        </p:spPr>
+        <p:style>
+          <a:lnRef idx="1">
+            <a:schemeClr val="accent1"/>
+          </a:lnRef>
+          <a:fillRef idx="0">
+            <a:schemeClr val="accent1"/>
+          </a:fillRef>
+          <a:effectRef idx="0">
+            <a:schemeClr val="accent1"/>
+          </a:effectRef>
+          <a:fontRef idx="minor">
+            <a:schemeClr val="tx1"/>
+          </a:fontRef>
+        </p:style>
+      </p:cxnSp>
       <p:sp>
         <p:nvSpPr>
           <p:cNvPr id="2" name="Rectangle 1">
@@ -15750,7 +15935,7 @@
         </p:nvSpPr>
         <p:spPr>
           <a:xfrm>
-            <a:off x="8819910" y="3641439"/>
+            <a:off x="7093666" y="3565103"/>
             <a:ext cx="590309" cy="474563"/>
           </a:xfrm>
           <a:prstGeom prst="rect">
@@ -15788,226 +15973,6 @@
           </a:p>
         </p:txBody>
       </p:sp>
-      <p:sp>
-        <p:nvSpPr>
-          <p:cNvPr id="12" name="Rectangle 11">
-            <a:extLst>
-              <a:ext uri="{FF2B5EF4-FFF2-40B4-BE49-F238E27FC236}">
-                <a16:creationId xmlns:a16="http://schemas.microsoft.com/office/drawing/2014/main" id="{E62497A3-C4A0-4F02-8E9B-C855BD75D319}"/>
-              </a:ext>
-            </a:extLst>
-          </p:cNvPr>
-          <p:cNvSpPr/>
-          <p:nvPr/>
-        </p:nvSpPr>
-        <p:spPr>
-          <a:xfrm>
-            <a:off x="7516447" y="3641439"/>
-            <a:ext cx="590309" cy="2979280"/>
-          </a:xfrm>
-          <a:prstGeom prst="rect">
-            <a:avLst/>
-          </a:prstGeom>
-          <a:noFill/>
-          <a:ln w="38100">
-            <a:solidFill>
-              <a:schemeClr val="tx1"/>
-            </a:solidFill>
-          </a:ln>
-        </p:spPr>
-        <p:style>
-          <a:lnRef idx="2">
-            <a:schemeClr val="accent1">
-              <a:shade val="50000"/>
-            </a:schemeClr>
-          </a:lnRef>
-          <a:fillRef idx="1">
-            <a:schemeClr val="accent1"/>
-          </a:fillRef>
-          <a:effectRef idx="0">
-            <a:schemeClr val="accent1"/>
-          </a:effectRef>
-          <a:fontRef idx="minor">
-            <a:schemeClr val="lt1"/>
-          </a:fontRef>
-        </p:style>
-        <p:txBody>
-          <a:bodyPr rtlCol="0" anchor="ctr"/>
-          <a:lstStyle/>
-          <a:p>
-            <a:pPr algn="ctr"/>
-            <a:endParaRPr lang="en-US"/>
-          </a:p>
-        </p:txBody>
-      </p:sp>
-      <p:sp>
-        <p:nvSpPr>
-          <p:cNvPr id="3" name="TextBox 2">
-            <a:extLst>
-              <a:ext uri="{FF2B5EF4-FFF2-40B4-BE49-F238E27FC236}">
-                <a16:creationId xmlns:a16="http://schemas.microsoft.com/office/drawing/2014/main" id="{E1C961E3-EC5F-4577-BEDA-30612C755085}"/>
-              </a:ext>
-            </a:extLst>
-          </p:cNvPr>
-          <p:cNvSpPr txBox="1"/>
-          <p:nvPr/>
-        </p:nvSpPr>
-        <p:spPr>
-          <a:xfrm>
-            <a:off x="10123373" y="3597025"/>
-            <a:ext cx="1812747" cy="707886"/>
-          </a:xfrm>
-          <a:prstGeom prst="rect">
-            <a:avLst/>
-          </a:prstGeom>
-          <a:noFill/>
-        </p:spPr>
-        <p:txBody>
-          <a:bodyPr wrap="square" rtlCol="0">
-            <a:spAutoFit/>
-          </a:bodyPr>
-          <a:lstStyle/>
-          <a:p>
-            <a:pPr algn="ctr"/>
-            <a:r>
-              <a:rPr lang="en-US" sz="2000" dirty="0">
-                <a:solidFill>
-                  <a:schemeClr val="bg1"/>
-                </a:solidFill>
-              </a:rPr>
-              <a:t>Based on Previous Table</a:t>
-            </a:r>
-          </a:p>
-        </p:txBody>
-      </p:sp>
-      <p:cxnSp>
-        <p:nvCxnSpPr>
-          <p:cNvPr id="6" name="Straight Arrow Connector 5">
-            <a:extLst>
-              <a:ext uri="{FF2B5EF4-FFF2-40B4-BE49-F238E27FC236}">
-                <a16:creationId xmlns:a16="http://schemas.microsoft.com/office/drawing/2014/main" id="{9652C815-0A16-4DB6-87F0-D3448D320874}"/>
-              </a:ext>
-            </a:extLst>
-          </p:cNvPr>
-          <p:cNvCxnSpPr>
-            <a:cxnSpLocks/>
-          </p:cNvCxnSpPr>
-          <p:nvPr/>
-        </p:nvCxnSpPr>
-        <p:spPr>
-          <a:xfrm>
-            <a:off x="9410219" y="3849017"/>
-            <a:ext cx="969036" cy="0"/>
-          </a:xfrm>
-          <a:prstGeom prst="straightConnector1">
-            <a:avLst/>
-          </a:prstGeom>
-          <a:ln w="57150">
-            <a:solidFill>
-              <a:schemeClr val="tx1"/>
-            </a:solidFill>
-            <a:tailEnd type="triangle"/>
-          </a:ln>
-        </p:spPr>
-        <p:style>
-          <a:lnRef idx="1">
-            <a:schemeClr val="accent1"/>
-          </a:lnRef>
-          <a:fillRef idx="0">
-            <a:schemeClr val="accent1"/>
-          </a:fillRef>
-          <a:effectRef idx="0">
-            <a:schemeClr val="accent1"/>
-          </a:effectRef>
-          <a:fontRef idx="minor">
-            <a:schemeClr val="tx1"/>
-          </a:fontRef>
-        </p:style>
-      </p:cxnSp>
-      <p:sp>
-        <p:nvSpPr>
-          <p:cNvPr id="18" name="TextBox 17">
-            <a:extLst>
-              <a:ext uri="{FF2B5EF4-FFF2-40B4-BE49-F238E27FC236}">
-                <a16:creationId xmlns:a16="http://schemas.microsoft.com/office/drawing/2014/main" id="{49CBC57D-7756-4F19-93F9-B098E8A91A45}"/>
-              </a:ext>
-            </a:extLst>
-          </p:cNvPr>
-          <p:cNvSpPr txBox="1"/>
-          <p:nvPr/>
-        </p:nvSpPr>
-        <p:spPr>
-          <a:xfrm>
-            <a:off x="9774959" y="4814328"/>
-            <a:ext cx="2495652" cy="707886"/>
-          </a:xfrm>
-          <a:prstGeom prst="rect">
-            <a:avLst/>
-          </a:prstGeom>
-          <a:noFill/>
-        </p:spPr>
-        <p:txBody>
-          <a:bodyPr wrap="square" rtlCol="0">
-            <a:spAutoFit/>
-          </a:bodyPr>
-          <a:lstStyle/>
-          <a:p>
-            <a:pPr algn="ctr"/>
-            <a:r>
-              <a:rPr lang="en-US" sz="2000" dirty="0">
-                <a:solidFill>
-                  <a:schemeClr val="bg1"/>
-                </a:solidFill>
-              </a:rPr>
-              <a:t>Based on Known Relative Frequencies</a:t>
-            </a:r>
-          </a:p>
-        </p:txBody>
-      </p:sp>
-      <p:cxnSp>
-        <p:nvCxnSpPr>
-          <p:cNvPr id="19" name="Straight Arrow Connector 18">
-            <a:extLst>
-              <a:ext uri="{FF2B5EF4-FFF2-40B4-BE49-F238E27FC236}">
-                <a16:creationId xmlns:a16="http://schemas.microsoft.com/office/drawing/2014/main" id="{4EEC9CB7-6A8E-4AB3-84E3-D7821A7BB18F}"/>
-              </a:ext>
-            </a:extLst>
-          </p:cNvPr>
-          <p:cNvCxnSpPr>
-            <a:cxnSpLocks/>
-          </p:cNvCxnSpPr>
-          <p:nvPr/>
-        </p:nvCxnSpPr>
-        <p:spPr>
-          <a:xfrm>
-            <a:off x="8106755" y="5131079"/>
-            <a:ext cx="1925141" cy="0"/>
-          </a:xfrm>
-          <a:prstGeom prst="straightConnector1">
-            <a:avLst/>
-          </a:prstGeom>
-          <a:ln w="57150">
-            <a:solidFill>
-              <a:schemeClr val="tx1"/>
-            </a:solidFill>
-            <a:tailEnd type="triangle"/>
-          </a:ln>
-        </p:spPr>
-        <p:style>
-          <a:lnRef idx="1">
-            <a:schemeClr val="accent1"/>
-          </a:lnRef>
-          <a:fillRef idx="0">
-            <a:schemeClr val="accent1"/>
-          </a:fillRef>
-          <a:effectRef idx="0">
-            <a:schemeClr val="accent1"/>
-          </a:effectRef>
-          <a:fontRef idx="minor">
-            <a:schemeClr val="tx1"/>
-          </a:fontRef>
-        </p:style>
-      </p:cxnSp>
     </p:spTree>
     <p:extLst>
       <p:ext uri="{BB962C8B-B14F-4D97-AF65-F5344CB8AC3E}">
@@ -16507,7 +16472,7 @@
                 </a:solidFill>
                 <a:latin typeface="Selawik Semibold" panose="020B0702040204020203" pitchFamily="34" charset="0"/>
               </a:rPr>
-              <a:t>Under Current State = 0.93 Runs</a:t>
+              <a:t>Under Current State = 0.87 Runs</a:t>
             </a:r>
           </a:p>
           <a:p>
@@ -16522,7 +16487,7 @@
                 </a:solidFill>
                 <a:latin typeface="Selawik Semibold" panose="020B0702040204020203" pitchFamily="34" charset="0"/>
               </a:rPr>
-              <a:t>After Bunt = 0.75 Runs (Clearly Worse)</a:t>
+              <a:t>After Bunt = 0.71 Runs (Clearly Worse)</a:t>
             </a:r>
           </a:p>
           <a:p>
@@ -16655,7 +16620,7 @@
             <p:spPr>
               <a:xfrm>
                 <a:off x="3846034" y="2229627"/>
-                <a:ext cx="5640582" cy="707886"/>
+                <a:ext cx="5640583" cy="707886"/>
               </a:xfrm>
               <a:prstGeom prst="rect">
                 <a:avLst/>
@@ -16778,7 +16743,7 @@
                           </a:solidFill>
                           <a:latin typeface="Cambria Math" panose="02040503050406030204" pitchFamily="18" charset="0"/>
                         </a:rPr>
-                        <m:t>𝟒𝟗</m:t>
+                        <m:t>𝟒𝟔</m:t>
                       </m:r>
                       <m:r>
                         <a:rPr lang="en-US" sz="2000" b="1" i="1">
@@ -16844,13 +16809,13 @@
                         <m:t>.</m:t>
                       </m:r>
                       <m:r>
-                        <a:rPr lang="en-US" sz="2000" b="1" i="1">
-                          <a:solidFill>
-                            <a:schemeClr val="bg1"/>
-                          </a:solidFill>
-                          <a:latin typeface="Cambria Math" panose="02040503050406030204" pitchFamily="18" charset="0"/>
-                        </a:rPr>
-                        <m:t>𝟕𝟏</m:t>
+                        <a:rPr lang="en-US" sz="2000" b="1" i="1" smtClean="0">
+                          <a:solidFill>
+                            <a:schemeClr val="bg1"/>
+                          </a:solidFill>
+                          <a:latin typeface="Cambria Math" panose="02040503050406030204" pitchFamily="18" charset="0"/>
+                        </a:rPr>
+                        <m:t>𝟔𝟕</m:t>
                       </m:r>
                       <m:r>
                         <a:rPr lang="en-US" sz="2000" b="1" i="1">
@@ -16922,7 +16887,7 @@
                           </a:solidFill>
                           <a:latin typeface="Cambria Math" panose="02040503050406030204" pitchFamily="18" charset="0"/>
                         </a:rPr>
-                        <m:t>𝟏𝟏</m:t>
+                        <m:t>𝟏</m:t>
                       </m:r>
                     </m:oMath>
                   </m:oMathPara>
@@ -17021,7 +16986,7 @@
                           </a:solidFill>
                           <a:latin typeface="Cambria Math" panose="02040503050406030204" pitchFamily="18" charset="0"/>
                         </a:rPr>
-                        <m:t>𝟓𝟓</m:t>
+                        <m:t>𝟓𝟑</m:t>
                       </m:r>
                       <m:r>
                         <a:rPr lang="en-US" sz="2000" b="1" i="1">
@@ -17093,7 +17058,7 @@
                           </a:solidFill>
                           <a:latin typeface="Cambria Math" panose="02040503050406030204" pitchFamily="18" charset="0"/>
                         </a:rPr>
-                        <m:t>𝟓𝟓</m:t>
+                        <m:t>𝟓𝟑</m:t>
                       </m:r>
                       <m:r>
                         <a:rPr lang="en-US" sz="2000" b="1" i="1">
@@ -17129,7 +17094,7 @@
                           </a:solidFill>
                           <a:latin typeface="Cambria Math" panose="02040503050406030204" pitchFamily="18" charset="0"/>
                         </a:rPr>
-                        <m:t>𝟕𝟓</m:t>
+                        <m:t>𝟕𝟏</m:t>
                       </m:r>
                     </m:oMath>
                   </m:oMathPara>
@@ -17161,7 +17126,7 @@
             <p:spPr>
               <a:xfrm>
                 <a:off x="3846034" y="2229627"/>
-                <a:ext cx="5640582" cy="707886"/>
+                <a:ext cx="5640583" cy="707886"/>
               </a:xfrm>
               <a:prstGeom prst="rect">
                 <a:avLst/>
@@ -17556,13 +17521,13 @@
                         <m:t>.</m:t>
                       </m:r>
                       <m:r>
-                        <a:rPr lang="en-US" sz="2000" b="1" i="1">
-                          <a:solidFill>
-                            <a:schemeClr val="bg1"/>
-                          </a:solidFill>
-                          <a:latin typeface="Cambria Math" panose="02040503050406030204" pitchFamily="18" charset="0"/>
-                        </a:rPr>
-                        <m:t>𝟕𝟑</m:t>
+                        <a:rPr lang="en-US" sz="2000" b="1" i="1" smtClean="0">
+                          <a:solidFill>
+                            <a:schemeClr val="bg1"/>
+                          </a:solidFill>
+                          <a:latin typeface="Cambria Math" panose="02040503050406030204" pitchFamily="18" charset="0"/>
+                        </a:rPr>
+                        <m:t>𝟔𝟗</m:t>
                       </m:r>
                     </m:oMath>
                   </m:oMathPara>

--- a/Slides/Baseball 5/Baseball_5_Lecture.pptx
+++ b/Slides/Baseball 5/Baseball_5_Lecture.pptx
@@ -210,7 +210,7 @@
           <a:p>
             <a:fld id="{C04E5E84-956F-4423-97B3-5936A6D8EEEE}" type="datetimeFigureOut">
               <a:rPr lang="en-US" smtClean="0"/>
-              <a:t>2/4/2023</a:t>
+              <a:t>2/14/2024</a:t>
             </a:fld>
             <a:endParaRPr lang="en-US"/>
           </a:p>
@@ -624,7 +624,7 @@
           <a:p>
             <a:fld id="{3881C039-66A3-4640-815B-3B5A8B7D868D}" type="datetimeFigureOut">
               <a:rPr lang="en-US" smtClean="0"/>
-              <a:t>2/4/2023</a:t>
+              <a:t>2/14/2024</a:t>
             </a:fld>
             <a:endParaRPr lang="en-US"/>
           </a:p>
@@ -822,7 +822,7 @@
           <a:p>
             <a:fld id="{3881C039-66A3-4640-815B-3B5A8B7D868D}" type="datetimeFigureOut">
               <a:rPr lang="en-US" smtClean="0"/>
-              <a:t>2/4/2023</a:t>
+              <a:t>2/14/2024</a:t>
             </a:fld>
             <a:endParaRPr lang="en-US"/>
           </a:p>
@@ -1030,7 +1030,7 @@
           <a:p>
             <a:fld id="{3881C039-66A3-4640-815B-3B5A8B7D868D}" type="datetimeFigureOut">
               <a:rPr lang="en-US" smtClean="0"/>
-              <a:t>2/4/2023</a:t>
+              <a:t>2/14/2024</a:t>
             </a:fld>
             <a:endParaRPr lang="en-US"/>
           </a:p>
@@ -1228,7 +1228,7 @@
           <a:p>
             <a:fld id="{3881C039-66A3-4640-815B-3B5A8B7D868D}" type="datetimeFigureOut">
               <a:rPr lang="en-US" smtClean="0"/>
-              <a:t>2/4/2023</a:t>
+              <a:t>2/14/2024</a:t>
             </a:fld>
             <a:endParaRPr lang="en-US"/>
           </a:p>
@@ -1503,7 +1503,7 @@
           <a:p>
             <a:fld id="{3881C039-66A3-4640-815B-3B5A8B7D868D}" type="datetimeFigureOut">
               <a:rPr lang="en-US" smtClean="0"/>
-              <a:t>2/4/2023</a:t>
+              <a:t>2/14/2024</a:t>
             </a:fld>
             <a:endParaRPr lang="en-US"/>
           </a:p>
@@ -1768,7 +1768,7 @@
           <a:p>
             <a:fld id="{3881C039-66A3-4640-815B-3B5A8B7D868D}" type="datetimeFigureOut">
               <a:rPr lang="en-US" smtClean="0"/>
-              <a:t>2/4/2023</a:t>
+              <a:t>2/14/2024</a:t>
             </a:fld>
             <a:endParaRPr lang="en-US"/>
           </a:p>
@@ -2180,7 +2180,7 @@
           <a:p>
             <a:fld id="{3881C039-66A3-4640-815B-3B5A8B7D868D}" type="datetimeFigureOut">
               <a:rPr lang="en-US" smtClean="0"/>
-              <a:t>2/4/2023</a:t>
+              <a:t>2/14/2024</a:t>
             </a:fld>
             <a:endParaRPr lang="en-US"/>
           </a:p>
@@ -2321,7 +2321,7 @@
           <a:p>
             <a:fld id="{3881C039-66A3-4640-815B-3B5A8B7D868D}" type="datetimeFigureOut">
               <a:rPr lang="en-US" smtClean="0"/>
-              <a:t>2/4/2023</a:t>
+              <a:t>2/14/2024</a:t>
             </a:fld>
             <a:endParaRPr lang="en-US"/>
           </a:p>
@@ -2434,7 +2434,7 @@
           <a:p>
             <a:fld id="{3881C039-66A3-4640-815B-3B5A8B7D868D}" type="datetimeFigureOut">
               <a:rPr lang="en-US" smtClean="0"/>
-              <a:t>2/4/2023</a:t>
+              <a:t>2/14/2024</a:t>
             </a:fld>
             <a:endParaRPr lang="en-US"/>
           </a:p>
@@ -2745,7 +2745,7 @@
           <a:p>
             <a:fld id="{3881C039-66A3-4640-815B-3B5A8B7D868D}" type="datetimeFigureOut">
               <a:rPr lang="en-US" smtClean="0"/>
-              <a:t>2/4/2023</a:t>
+              <a:t>2/14/2024</a:t>
             </a:fld>
             <a:endParaRPr lang="en-US"/>
           </a:p>
@@ -3033,7 +3033,7 @@
           <a:p>
             <a:fld id="{3881C039-66A3-4640-815B-3B5A8B7D868D}" type="datetimeFigureOut">
               <a:rPr lang="en-US" smtClean="0"/>
-              <a:t>2/4/2023</a:t>
+              <a:t>2/14/2024</a:t>
             </a:fld>
             <a:endParaRPr lang="en-US"/>
           </a:p>
@@ -3277,7 +3277,7 @@
           <a:p>
             <a:fld id="{3881C039-66A3-4640-815B-3B5A8B7D868D}" type="datetimeFigureOut">
               <a:rPr lang="en-US" smtClean="0"/>
-              <a:t>2/4/2023</a:t>
+              <a:t>2/14/2024</a:t>
             </a:fld>
             <a:endParaRPr lang="en-US"/>
           </a:p>
@@ -4882,8 +4882,8 @@
           </p:sp>
         </mc:Fallback>
       </mc:AlternateContent>
-      <mc:AlternateContent xmlns:mc="http://schemas.openxmlformats.org/markup-compatibility/2006">
-        <mc:Choice xmlns:a14="http://schemas.microsoft.com/office/drawing/2010/main" Requires="a14">
+      <mc:AlternateContent xmlns:mc="http://schemas.openxmlformats.org/markup-compatibility/2006" xmlns:a14="http://schemas.microsoft.com/office/drawing/2010/main">
+        <mc:Choice Requires="a14">
           <p:sp>
             <p:nvSpPr>
               <p:cNvPr id="21" name="Rectangle 20">
@@ -5392,7 +5392,7 @@
             </p:txBody>
           </p:sp>
         </mc:Choice>
-        <mc:Fallback>
+        <mc:Fallback xmlns="">
           <p:sp>
             <p:nvSpPr>
               <p:cNvPr id="21" name="Rectangle 20">
@@ -5437,8 +5437,8 @@
           </p:sp>
         </mc:Fallback>
       </mc:AlternateContent>
-      <mc:AlternateContent xmlns:mc="http://schemas.openxmlformats.org/markup-compatibility/2006">
-        <mc:Choice xmlns:a14="http://schemas.microsoft.com/office/drawing/2010/main" Requires="a14">
+      <mc:AlternateContent xmlns:mc="http://schemas.openxmlformats.org/markup-compatibility/2006" xmlns:a14="http://schemas.microsoft.com/office/drawing/2010/main">
+        <mc:Choice Requires="a14">
           <p:sp>
             <p:nvSpPr>
               <p:cNvPr id="7" name="Rectangle 6">
@@ -5654,7 +5654,7 @@
             </p:txBody>
           </p:sp>
         </mc:Choice>
-        <mc:Fallback>
+        <mc:Fallback xmlns="">
           <p:sp>
             <p:nvSpPr>
               <p:cNvPr id="7" name="Rectangle 6">
@@ -6424,8 +6424,8 @@
           </a:p>
         </p:txBody>
       </p:sp>
-      <mc:AlternateContent xmlns:mc="http://schemas.openxmlformats.org/markup-compatibility/2006">
-        <mc:Choice xmlns:a14="http://schemas.microsoft.com/office/drawing/2010/main" Requires="a14">
+      <mc:AlternateContent xmlns:mc="http://schemas.openxmlformats.org/markup-compatibility/2006" xmlns:a14="http://schemas.microsoft.com/office/drawing/2010/main">
+        <mc:Choice Requires="a14">
           <p:sp>
             <p:nvSpPr>
               <p:cNvPr id="14" name="Rectangle 13">
@@ -6718,7 +6718,7 @@
             </p:txBody>
           </p:sp>
         </mc:Choice>
-        <mc:Fallback>
+        <mc:Fallback xmlns="">
           <p:sp>
             <p:nvSpPr>
               <p:cNvPr id="14" name="Rectangle 13">
@@ -6763,8 +6763,8 @@
           </p:sp>
         </mc:Fallback>
       </mc:AlternateContent>
-      <mc:AlternateContent xmlns:mc="http://schemas.openxmlformats.org/markup-compatibility/2006">
-        <mc:Choice xmlns:a14="http://schemas.microsoft.com/office/drawing/2010/main" Requires="a14">
+      <mc:AlternateContent xmlns:mc="http://schemas.openxmlformats.org/markup-compatibility/2006" xmlns:a14="http://schemas.microsoft.com/office/drawing/2010/main">
+        <mc:Choice Requires="a14">
           <p:sp>
             <p:nvSpPr>
               <p:cNvPr id="15" name="Rectangle 14">
@@ -6928,7 +6928,7 @@
             </p:txBody>
           </p:sp>
         </mc:Choice>
-        <mc:Fallback>
+        <mc:Fallback xmlns="">
           <p:sp>
             <p:nvSpPr>
               <p:cNvPr id="15" name="Rectangle 14">
@@ -7618,8 +7618,8 @@
           </a:p>
         </p:txBody>
       </p:sp>
-      <mc:AlternateContent xmlns:mc="http://schemas.openxmlformats.org/markup-compatibility/2006">
-        <mc:Choice xmlns:a14="http://schemas.microsoft.com/office/drawing/2010/main" Requires="a14">
+      <mc:AlternateContent xmlns:mc="http://schemas.openxmlformats.org/markup-compatibility/2006" xmlns:a14="http://schemas.microsoft.com/office/drawing/2010/main">
+        <mc:Choice Requires="a14">
           <p:sp>
             <p:nvSpPr>
               <p:cNvPr id="12" name="Rectangle 11">
@@ -7833,7 +7833,7 @@
             </p:txBody>
           </p:sp>
         </mc:Choice>
-        <mc:Fallback>
+        <mc:Fallback xmlns="">
           <p:sp>
             <p:nvSpPr>
               <p:cNvPr id="12" name="Rectangle 11">
@@ -9768,6 +9768,144 @@
           </p:sp>
         </mc:Fallback>
       </mc:AlternateContent>
+      <p:pic>
+        <p:nvPicPr>
+          <p:cNvPr id="1026" name="Picture 2" descr="3 Ways to Set up a Baseball Diamond - wikiHow">
+            <a:extLst>
+              <a:ext uri="{FF2B5EF4-FFF2-40B4-BE49-F238E27FC236}">
+                <a16:creationId xmlns:a16="http://schemas.microsoft.com/office/drawing/2014/main" id="{AB51B8AB-3566-0C56-7706-39385CA93C15}"/>
+              </a:ext>
+            </a:extLst>
+          </p:cNvPr>
+          <p:cNvPicPr>
+            <a:picLocks noChangeAspect="1" noChangeArrowheads="1"/>
+          </p:cNvPicPr>
+          <p:nvPr/>
+        </p:nvPicPr>
+        <p:blipFill>
+          <a:blip r:embed="rId7">
+            <a:extLst>
+              <a:ext uri="{28A0092B-C50C-407E-A947-70E740481C1C}">
+                <a14:useLocalDpi xmlns:a14="http://schemas.microsoft.com/office/drawing/2010/main" val="0"/>
+              </a:ext>
+            </a:extLst>
+          </a:blip>
+          <a:srcRect/>
+          <a:stretch>
+            <a:fillRect/>
+          </a:stretch>
+        </p:blipFill>
+        <p:spPr bwMode="auto">
+          <a:xfrm>
+            <a:off x="9106215" y="1553538"/>
+            <a:ext cx="2928560" cy="2196420"/>
+          </a:xfrm>
+          <a:prstGeom prst="rect">
+            <a:avLst/>
+          </a:prstGeom>
+          <a:noFill/>
+          <a:ln w="38100">
+            <a:solidFill>
+              <a:schemeClr val="tx1"/>
+            </a:solidFill>
+          </a:ln>
+          <a:extLst>
+            <a:ext uri="{909E8E84-426E-40DD-AFC4-6F175D3DCCD1}">
+              <a14:hiddenFill xmlns:a14="http://schemas.microsoft.com/office/drawing/2010/main">
+                <a:solidFill>
+                  <a:srgbClr val="FFFFFF"/>
+                </a:solidFill>
+              </a14:hiddenFill>
+            </a:ext>
+          </a:extLst>
+        </p:spPr>
+      </p:pic>
+      <p:sp>
+        <p:nvSpPr>
+          <p:cNvPr id="3" name="TextBox 2">
+            <a:extLst>
+              <a:ext uri="{FF2B5EF4-FFF2-40B4-BE49-F238E27FC236}">
+                <a16:creationId xmlns:a16="http://schemas.microsoft.com/office/drawing/2014/main" id="{CF486B95-003E-9399-804B-CC4B7A2C7E7F}"/>
+              </a:ext>
+            </a:extLst>
+          </p:cNvPr>
+          <p:cNvSpPr txBox="1"/>
+          <p:nvPr/>
+        </p:nvSpPr>
+        <p:spPr>
+          <a:xfrm>
+            <a:off x="9062978" y="3541230"/>
+            <a:ext cx="2777837" cy="215444"/>
+          </a:xfrm>
+          <a:prstGeom prst="rect">
+            <a:avLst/>
+          </a:prstGeom>
+          <a:noFill/>
+        </p:spPr>
+        <p:txBody>
+          <a:bodyPr wrap="square" rtlCol="0">
+            <a:spAutoFit/>
+          </a:bodyPr>
+          <a:lstStyle/>
+          <a:p>
+            <a:r>
+              <a:rPr lang="en-US" sz="800" dirty="0"/>
+              <a:t>https://www.wikihow.fitness/Set-up-a-Baseball-Diamond</a:t>
+            </a:r>
+          </a:p>
+        </p:txBody>
+      </p:sp>
+      <p:sp>
+        <p:nvSpPr>
+          <p:cNvPr id="4" name="Smiley Face 3">
+            <a:extLst>
+              <a:ext uri="{FF2B5EF4-FFF2-40B4-BE49-F238E27FC236}">
+                <a16:creationId xmlns:a16="http://schemas.microsoft.com/office/drawing/2014/main" id="{7443917E-3DFE-7601-B301-45F5AF8D9F20}"/>
+              </a:ext>
+            </a:extLst>
+          </p:cNvPr>
+          <p:cNvSpPr/>
+          <p:nvPr/>
+        </p:nvSpPr>
+        <p:spPr>
+          <a:xfrm>
+            <a:off x="11215254" y="2404197"/>
+            <a:ext cx="304800" cy="295676"/>
+          </a:xfrm>
+          <a:prstGeom prst="smileyFace">
+            <a:avLst/>
+          </a:prstGeom>
+          <a:ln>
+            <a:solidFill>
+              <a:schemeClr val="bg1"/>
+            </a:solidFill>
+          </a:ln>
+        </p:spPr>
+        <p:style>
+          <a:lnRef idx="2">
+            <a:schemeClr val="dk1">
+              <a:shade val="15000"/>
+            </a:schemeClr>
+          </a:lnRef>
+          <a:fillRef idx="1">
+            <a:schemeClr val="dk1"/>
+          </a:fillRef>
+          <a:effectRef idx="0">
+            <a:schemeClr val="dk1"/>
+          </a:effectRef>
+          <a:fontRef idx="minor">
+            <a:schemeClr val="lt1"/>
+          </a:fontRef>
+        </p:style>
+        <p:txBody>
+          <a:bodyPr rtlCol="0" anchor="ctr"/>
+          <a:lstStyle/>
+          <a:p>
+            <a:pPr algn="ctr"/>
+            <a:endParaRPr lang="en-US"/>
+          </a:p>
+        </p:txBody>
+      </p:sp>
     </p:spTree>
     <p:extLst>
       <p:ext uri="{BB962C8B-B14F-4D97-AF65-F5344CB8AC3E}">
@@ -16598,7 +16736,7 @@
                 </a:solidFill>
                 <a:latin typeface="Selawik Semibold" panose="020B0702040204020203" pitchFamily="34" charset="0"/>
               </a:rPr>
-              <a:t>Suppose Stupid Manager Lets Swing for the Fence</a:t>
+              <a:t>Suppose Stupid Manager Lets Me Swing for the Fence</a:t>
             </a:r>
           </a:p>
         </p:txBody>

--- a/Slides/Baseball 5/Baseball_5_Lecture.pptx
+++ b/Slides/Baseball 5/Baseball_5_Lecture.pptx
@@ -210,7 +210,7 @@
           <a:p>
             <a:fld id="{C04E5E84-956F-4423-97B3-5936A6D8EEEE}" type="datetimeFigureOut">
               <a:rPr lang="en-US" smtClean="0"/>
-              <a:t>2/14/2024</a:t>
+              <a:t>2/20/2026</a:t>
             </a:fld>
             <a:endParaRPr lang="en-US"/>
           </a:p>
@@ -624,7 +624,7 @@
           <a:p>
             <a:fld id="{3881C039-66A3-4640-815B-3B5A8B7D868D}" type="datetimeFigureOut">
               <a:rPr lang="en-US" smtClean="0"/>
-              <a:t>2/14/2024</a:t>
+              <a:t>2/20/2026</a:t>
             </a:fld>
             <a:endParaRPr lang="en-US"/>
           </a:p>
@@ -822,7 +822,7 @@
           <a:p>
             <a:fld id="{3881C039-66A3-4640-815B-3B5A8B7D868D}" type="datetimeFigureOut">
               <a:rPr lang="en-US" smtClean="0"/>
-              <a:t>2/14/2024</a:t>
+              <a:t>2/20/2026</a:t>
             </a:fld>
             <a:endParaRPr lang="en-US"/>
           </a:p>
@@ -1030,7 +1030,7 @@
           <a:p>
             <a:fld id="{3881C039-66A3-4640-815B-3B5A8B7D868D}" type="datetimeFigureOut">
               <a:rPr lang="en-US" smtClean="0"/>
-              <a:t>2/14/2024</a:t>
+              <a:t>2/20/2026</a:t>
             </a:fld>
             <a:endParaRPr lang="en-US"/>
           </a:p>
@@ -1228,7 +1228,7 @@
           <a:p>
             <a:fld id="{3881C039-66A3-4640-815B-3B5A8B7D868D}" type="datetimeFigureOut">
               <a:rPr lang="en-US" smtClean="0"/>
-              <a:t>2/14/2024</a:t>
+              <a:t>2/20/2026</a:t>
             </a:fld>
             <a:endParaRPr lang="en-US"/>
           </a:p>
@@ -1503,7 +1503,7 @@
           <a:p>
             <a:fld id="{3881C039-66A3-4640-815B-3B5A8B7D868D}" type="datetimeFigureOut">
               <a:rPr lang="en-US" smtClean="0"/>
-              <a:t>2/14/2024</a:t>
+              <a:t>2/20/2026</a:t>
             </a:fld>
             <a:endParaRPr lang="en-US"/>
           </a:p>
@@ -1768,7 +1768,7 @@
           <a:p>
             <a:fld id="{3881C039-66A3-4640-815B-3B5A8B7D868D}" type="datetimeFigureOut">
               <a:rPr lang="en-US" smtClean="0"/>
-              <a:t>2/14/2024</a:t>
+              <a:t>2/20/2026</a:t>
             </a:fld>
             <a:endParaRPr lang="en-US"/>
           </a:p>
@@ -2180,7 +2180,7 @@
           <a:p>
             <a:fld id="{3881C039-66A3-4640-815B-3B5A8B7D868D}" type="datetimeFigureOut">
               <a:rPr lang="en-US" smtClean="0"/>
-              <a:t>2/14/2024</a:t>
+              <a:t>2/20/2026</a:t>
             </a:fld>
             <a:endParaRPr lang="en-US"/>
           </a:p>
@@ -2321,7 +2321,7 @@
           <a:p>
             <a:fld id="{3881C039-66A3-4640-815B-3B5A8B7D868D}" type="datetimeFigureOut">
               <a:rPr lang="en-US" smtClean="0"/>
-              <a:t>2/14/2024</a:t>
+              <a:t>2/20/2026</a:t>
             </a:fld>
             <a:endParaRPr lang="en-US"/>
           </a:p>
@@ -2434,7 +2434,7 @@
           <a:p>
             <a:fld id="{3881C039-66A3-4640-815B-3B5A8B7D868D}" type="datetimeFigureOut">
               <a:rPr lang="en-US" smtClean="0"/>
-              <a:t>2/14/2024</a:t>
+              <a:t>2/20/2026</a:t>
             </a:fld>
             <a:endParaRPr lang="en-US"/>
           </a:p>
@@ -2745,7 +2745,7 @@
           <a:p>
             <a:fld id="{3881C039-66A3-4640-815B-3B5A8B7D868D}" type="datetimeFigureOut">
               <a:rPr lang="en-US" smtClean="0"/>
-              <a:t>2/14/2024</a:t>
+              <a:t>2/20/2026</a:t>
             </a:fld>
             <a:endParaRPr lang="en-US"/>
           </a:p>
@@ -3033,7 +3033,7 @@
           <a:p>
             <a:fld id="{3881C039-66A3-4640-815B-3B5A8B7D868D}" type="datetimeFigureOut">
               <a:rPr lang="en-US" smtClean="0"/>
-              <a:t>2/14/2024</a:t>
+              <a:t>2/20/2026</a:t>
             </a:fld>
             <a:endParaRPr lang="en-US"/>
           </a:p>
@@ -3277,7 +3277,7 @@
           <a:p>
             <a:fld id="{3881C039-66A3-4640-815B-3B5A8B7D868D}" type="datetimeFigureOut">
               <a:rPr lang="en-US" smtClean="0"/>
-              <a:t>2/14/2024</a:t>
+              <a:t>2/20/2026</a:t>
             </a:fld>
             <a:endParaRPr lang="en-US"/>
           </a:p>
@@ -8823,7 +8823,7 @@
         </p:nvSpPr>
         <p:spPr>
           <a:xfrm>
-            <a:off x="0" y="-52156"/>
+            <a:off x="0" y="-52157"/>
             <a:ext cx="12192000" cy="6910157"/>
           </a:xfrm>
           <a:prstGeom prst="rect">
@@ -9385,7 +9385,7 @@
       </p:sp>
       <p:pic>
         <p:nvPicPr>
-          <p:cNvPr id="2" name="Picture 1">
+          <p:cNvPr id="2" name="Picture 1" descr="Table showing possible states during a baseball inning with columns for state code, outs, and runner positions on first, second, and third bases. It lists specific states with zero to two outs and indicates whether runners are present on bases, highlighting scenarios with no runners and runners only on third base.">
             <a:extLst>
               <a:ext uri="{FF2B5EF4-FFF2-40B4-BE49-F238E27FC236}">
                 <a16:creationId xmlns:a16="http://schemas.microsoft.com/office/drawing/2014/main" id="{985060E5-2DD8-438C-B7FD-3BF32081529D}"/>
@@ -9770,142 +9770,71 @@
       </mc:AlternateContent>
       <p:pic>
         <p:nvPicPr>
-          <p:cNvPr id="1026" name="Picture 2" descr="3 Ways to Set up a Baseball Diamond - wikiHow">
-            <a:extLst>
-              <a:ext uri="{FF2B5EF4-FFF2-40B4-BE49-F238E27FC236}">
-                <a16:creationId xmlns:a16="http://schemas.microsoft.com/office/drawing/2014/main" id="{AB51B8AB-3566-0C56-7706-39385CA93C15}"/>
+          <p:cNvPr id="3" name="Picture 2" descr="Photograph of a baseball field focusing on the infield area, including home plate, pitcher's mound, and bases. The field features neatly mowed grass with alternating light and dark green stripes and clearly marked white baselines and batter's boxes.">
+            <a:extLst>
+              <a:ext uri="{FF2B5EF4-FFF2-40B4-BE49-F238E27FC236}">
+                <a16:creationId xmlns:a16="http://schemas.microsoft.com/office/drawing/2014/main" id="{52B24F19-81A0-E60C-8953-654D2E67D5A1}"/>
               </a:ext>
             </a:extLst>
           </p:cNvPr>
           <p:cNvPicPr>
-            <a:picLocks noChangeAspect="1" noChangeArrowheads="1"/>
+            <a:picLocks noChangeAspect="1"/>
           </p:cNvPicPr>
           <p:nvPr/>
         </p:nvPicPr>
         <p:blipFill>
           <a:blip r:embed="rId7">
-            <a:extLst>
-              <a:ext uri="{28A0092B-C50C-407E-A947-70E740481C1C}">
-                <a14:useLocalDpi xmlns:a14="http://schemas.microsoft.com/office/drawing/2010/main" val="0"/>
-              </a:ext>
-            </a:extLst>
+            <a:alphaModFix amt="45000"/>
           </a:blip>
-          <a:srcRect/>
           <a:stretch>
             <a:fillRect/>
           </a:stretch>
         </p:blipFill>
-        <p:spPr bwMode="auto">
+        <p:spPr>
           <a:xfrm>
-            <a:off x="9106215" y="1553538"/>
-            <a:ext cx="2928560" cy="2196420"/>
+            <a:off x="9135570" y="1029771"/>
+            <a:ext cx="2684015" cy="2684015"/>
           </a:xfrm>
           <a:prstGeom prst="rect">
             <a:avLst/>
           </a:prstGeom>
-          <a:noFill/>
-          <a:ln w="38100">
-            <a:solidFill>
-              <a:schemeClr val="tx1"/>
-            </a:solidFill>
-          </a:ln>
-          <a:extLst>
-            <a:ext uri="{909E8E84-426E-40DD-AFC4-6F175D3DCCD1}">
-              <a14:hiddenFill xmlns:a14="http://schemas.microsoft.com/office/drawing/2010/main">
-                <a:solidFill>
-                  <a:srgbClr val="FFFFFF"/>
-                </a:solidFill>
-              </a14:hiddenFill>
-            </a:ext>
-          </a:extLst>
+          <a:solidFill>
+            <a:schemeClr val="tx1">
+              <a:alpha val="0"/>
+            </a:schemeClr>
+          </a:solidFill>
         </p:spPr>
       </p:pic>
-      <p:sp>
-        <p:nvSpPr>
-          <p:cNvPr id="3" name="TextBox 2">
-            <a:extLst>
-              <a:ext uri="{FF2B5EF4-FFF2-40B4-BE49-F238E27FC236}">
-                <a16:creationId xmlns:a16="http://schemas.microsoft.com/office/drawing/2014/main" id="{CF486B95-003E-9399-804B-CC4B7A2C7E7F}"/>
-              </a:ext>
-            </a:extLst>
-          </p:cNvPr>
-          <p:cNvSpPr txBox="1"/>
+      <p:pic>
+        <p:nvPicPr>
+          <p:cNvPr id="4" name="Picture 3" descr="Black and white vector illustration of a baseball player running, wearing a helmet, gloves, and uniform. The image emphasizes motion and athleticism with dynamic posture and simplified shading.">
+            <a:extLst>
+              <a:ext uri="{FF2B5EF4-FFF2-40B4-BE49-F238E27FC236}">
+                <a16:creationId xmlns:a16="http://schemas.microsoft.com/office/drawing/2014/main" id="{DC730092-779B-16DA-B37B-7C134F65601F}"/>
+              </a:ext>
+            </a:extLst>
+          </p:cNvPr>
+          <p:cNvPicPr>
+            <a:picLocks noChangeAspect="1"/>
+          </p:cNvPicPr>
           <p:nvPr/>
-        </p:nvSpPr>
+        </p:nvPicPr>
+        <p:blipFill>
+          <a:blip r:embed="rId8"/>
+          <a:stretch>
+            <a:fillRect/>
+          </a:stretch>
+        </p:blipFill>
         <p:spPr>
-          <a:xfrm>
-            <a:off x="9062978" y="3541230"/>
-            <a:ext cx="2777837" cy="215444"/>
+          <a:xfrm flipH="1">
+            <a:off x="11182522" y="1822488"/>
+            <a:ext cx="477182" cy="477182"/>
           </a:xfrm>
           <a:prstGeom prst="rect">
             <a:avLst/>
           </a:prstGeom>
-          <a:noFill/>
         </p:spPr>
-        <p:txBody>
-          <a:bodyPr wrap="square" rtlCol="0">
-            <a:spAutoFit/>
-          </a:bodyPr>
-          <a:lstStyle/>
-          <a:p>
-            <a:r>
-              <a:rPr lang="en-US" sz="800" dirty="0"/>
-              <a:t>https://www.wikihow.fitness/Set-up-a-Baseball-Diamond</a:t>
-            </a:r>
-          </a:p>
-        </p:txBody>
-      </p:sp>
-      <p:sp>
-        <p:nvSpPr>
-          <p:cNvPr id="4" name="Smiley Face 3">
-            <a:extLst>
-              <a:ext uri="{FF2B5EF4-FFF2-40B4-BE49-F238E27FC236}">
-                <a16:creationId xmlns:a16="http://schemas.microsoft.com/office/drawing/2014/main" id="{7443917E-3DFE-7601-B301-45F5AF8D9F20}"/>
-              </a:ext>
-            </a:extLst>
-          </p:cNvPr>
-          <p:cNvSpPr/>
-          <p:nvPr/>
-        </p:nvSpPr>
-        <p:spPr>
-          <a:xfrm>
-            <a:off x="11215254" y="2404197"/>
-            <a:ext cx="304800" cy="295676"/>
-          </a:xfrm>
-          <a:prstGeom prst="smileyFace">
-            <a:avLst/>
-          </a:prstGeom>
-          <a:ln>
-            <a:solidFill>
-              <a:schemeClr val="bg1"/>
-            </a:solidFill>
-          </a:ln>
-        </p:spPr>
-        <p:style>
-          <a:lnRef idx="2">
-            <a:schemeClr val="dk1">
-              <a:shade val="15000"/>
-            </a:schemeClr>
-          </a:lnRef>
-          <a:fillRef idx="1">
-            <a:schemeClr val="dk1"/>
-          </a:fillRef>
-          <a:effectRef idx="0">
-            <a:schemeClr val="dk1"/>
-          </a:effectRef>
-          <a:fontRef idx="minor">
-            <a:schemeClr val="lt1"/>
-          </a:fontRef>
-        </p:style>
-        <p:txBody>
-          <a:bodyPr rtlCol="0" anchor="ctr"/>
-          <a:lstStyle/>
-          <a:p>
-            <a:pPr algn="ctr"/>
-            <a:endParaRPr lang="en-US"/>
-          </a:p>
-        </p:txBody>
-      </p:sp>
+      </p:pic>
     </p:spTree>
     <p:extLst>
       <p:ext uri="{BB962C8B-B14F-4D97-AF65-F5344CB8AC3E}">
